--- a/Java/M03JavaAdvanced/CourseIntroduction/0. Java-Advanced-Course-Introduction.pptx
+++ b/Java/M03JavaAdvanced/CourseIntroduction/0. Java-Advanced-Course-Introduction.pptx
@@ -5,35 +5,36 @@
     <p:sldMasterId id="2147483675" r:id="rId1"/>
   </p:sldMasterIdLst>
   <p:notesMasterIdLst>
-    <p:notesMasterId r:id="rId25"/>
+    <p:notesMasterId r:id="rId26"/>
   </p:notesMasterIdLst>
   <p:handoutMasterIdLst>
-    <p:handoutMasterId r:id="rId26"/>
+    <p:handoutMasterId r:id="rId27"/>
   </p:handoutMasterIdLst>
   <p:sldIdLst>
     <p:sldId id="256" r:id="rId2"/>
     <p:sldId id="257" r:id="rId3"/>
-    <p:sldId id="603" r:id="rId4"/>
-    <p:sldId id="259" r:id="rId5"/>
-    <p:sldId id="260" r:id="rId6"/>
-    <p:sldId id="261" r:id="rId7"/>
-    <p:sldId id="262" r:id="rId8"/>
-    <p:sldId id="264" r:id="rId9"/>
-    <p:sldId id="601" r:id="rId10"/>
-    <p:sldId id="266" r:id="rId11"/>
-    <p:sldId id="267" r:id="rId12"/>
-    <p:sldId id="594" r:id="rId13"/>
-    <p:sldId id="595" r:id="rId14"/>
-    <p:sldId id="269" r:id="rId15"/>
-    <p:sldId id="270" r:id="rId16"/>
-    <p:sldId id="271" r:id="rId17"/>
-    <p:sldId id="272" r:id="rId18"/>
-    <p:sldId id="273" r:id="rId19"/>
-    <p:sldId id="274" r:id="rId20"/>
-    <p:sldId id="275" r:id="rId21"/>
-    <p:sldId id="276" r:id="rId22"/>
-    <p:sldId id="405" r:id="rId23"/>
-    <p:sldId id="493" r:id="rId24"/>
+    <p:sldId id="604" r:id="rId4"/>
+    <p:sldId id="605" r:id="rId5"/>
+    <p:sldId id="259" r:id="rId6"/>
+    <p:sldId id="260" r:id="rId7"/>
+    <p:sldId id="261" r:id="rId8"/>
+    <p:sldId id="262" r:id="rId9"/>
+    <p:sldId id="264" r:id="rId10"/>
+    <p:sldId id="601" r:id="rId11"/>
+    <p:sldId id="266" r:id="rId12"/>
+    <p:sldId id="267" r:id="rId13"/>
+    <p:sldId id="594" r:id="rId14"/>
+    <p:sldId id="606" r:id="rId15"/>
+    <p:sldId id="269" r:id="rId16"/>
+    <p:sldId id="270" r:id="rId17"/>
+    <p:sldId id="271" r:id="rId18"/>
+    <p:sldId id="272" r:id="rId19"/>
+    <p:sldId id="273" r:id="rId20"/>
+    <p:sldId id="274" r:id="rId21"/>
+    <p:sldId id="275" r:id="rId22"/>
+    <p:sldId id="276" r:id="rId23"/>
+    <p:sldId id="405" r:id="rId24"/>
+    <p:sldId id="493" r:id="rId25"/>
   </p:sldIdLst>
   <p:sldSz cx="12192000" cy="6858000"/>
   <p:notesSz cx="6858000" cy="9144000"/>
@@ -143,7 +144,8 @@
         </p14:section>
         <p14:section name="Diamond Partners" id="{47EE665F-B0D9-4A8C-B346-2E5CBB82A035}">
           <p14:sldIdLst>
-            <p14:sldId id="603"/>
+            <p14:sldId id="604"/>
+            <p14:sldId id="605"/>
           </p14:sldIdLst>
         </p14:section>
         <p14:section name="Course Program" id="{02A159DC-6FEE-4AD1-BC8B-66B070547B1B}">
@@ -165,7 +167,7 @@
             <p14:sldId id="266"/>
             <p14:sldId id="267"/>
             <p14:sldId id="594"/>
-            <p14:sldId id="595"/>
+            <p14:sldId id="606"/>
             <p14:sldId id="269"/>
             <p14:sldId id="270"/>
             <p14:sldId id="271"/>
@@ -311,7 +313,7 @@
           <a:p>
             <a:fld id="{4E087215-0C8F-4762-A664-737A353EC9A4}" type="datetimeFigureOut">
               <a:rPr lang="bg-BG" smtClean="0"/>
-              <a:t>17.5.2021 г.</a:t>
+              <a:t>19.5.2021 г.</a:t>
             </a:fld>
             <a:endParaRPr lang="bg-BG"/>
           </a:p>
@@ -502,7 +504,7 @@
           <a:p>
             <a:fld id="{72D84649-876A-46C9-8472-14CB09C070D8}" type="datetimeFigureOut">
               <a:rPr lang="en-US" smtClean="0"/>
-              <a:t>5/17/2021</a:t>
+              <a:t>5/19/2021</a:t>
             </a:fld>
             <a:endParaRPr lang="en-US"/>
           </a:p>
@@ -1035,7 +1037,7 @@
     </p:spTree>
     <p:extLst>
       <p:ext uri="{BB962C8B-B14F-4D97-AF65-F5344CB8AC3E}">
-        <p14:creationId xmlns:p14="http://schemas.microsoft.com/office/powerpoint/2010/main" val="289576395"/>
+        <p14:creationId xmlns:p14="http://schemas.microsoft.com/office/powerpoint/2010/main" val="256023922"/>
       </p:ext>
     </p:extLst>
   </p:cSld>
@@ -1160,7 +1162,7 @@
             <a:fld id="{3EBA5BD7-F043-4D1B-AA17-CD412FC534DE}" type="slidenum">
               <a:rPr lang="en-US" smtClean="0"/>
               <a:pPr/>
-              <a:t>9</a:t>
+              <a:t>10</a:t>
             </a:fld>
             <a:endParaRPr lang="en-US"/>
           </a:p>
@@ -1245,7 +1247,7 @@
             <a:fld id="{3EBA5BD7-F043-4D1B-AA17-CD412FC534DE}" type="slidenum">
               <a:rPr lang="en-US" smtClean="0"/>
               <a:pPr/>
-              <a:t>12</a:t>
+              <a:t>13</a:t>
             </a:fld>
             <a:endParaRPr lang="en-US"/>
           </a:p>
@@ -1380,7 +1382,7 @@
             <a:fld id="{3EBA5BD7-F043-4D1B-AA17-CD412FC534DE}" type="slidenum">
               <a:rPr lang="en-US" smtClean="0"/>
               <a:pPr/>
-              <a:t>13</a:t>
+              <a:t>14</a:t>
             </a:fld>
             <a:endParaRPr lang="en-US"/>
           </a:p>
@@ -1439,7 +1441,7 @@
     </p:spTree>
     <p:extLst>
       <p:ext uri="{BB962C8B-B14F-4D97-AF65-F5344CB8AC3E}">
-        <p14:creationId xmlns:p14="http://schemas.microsoft.com/office/powerpoint/2010/main" val="2530950844"/>
+        <p14:creationId xmlns:p14="http://schemas.microsoft.com/office/powerpoint/2010/main" val="2526371378"/>
       </p:ext>
     </p:extLst>
   </p:cSld>
@@ -1515,7 +1517,7 @@
             <a:fld id="{6FB4F6EA-423E-42DF-9292-215E7D886C4E}" type="slidenum">
               <a:rPr lang="en-US" smtClean="0"/>
               <a:pPr/>
-              <a:t>18</a:t>
+              <a:t>19</a:t>
             </a:fld>
             <a:endParaRPr lang="en-US" dirty="0"/>
           </a:p>
@@ -1652,7 +1654,7 @@
             <a:fld id="{6FB4F6EA-423E-42DF-9292-215E7D886C4E}" type="slidenum">
               <a:rPr lang="en-US" smtClean="0"/>
               <a:pPr/>
-              <a:t>20</a:t>
+              <a:t>21</a:t>
             </a:fld>
             <a:endParaRPr lang="en-US" dirty="0"/>
           </a:p>
@@ -1893,7 +1895,7 @@
             <a:fld id="{3EBA5BD7-F043-4D1B-AA17-CD412FC534DE}" type="slidenum">
               <a:rPr lang="en-US" smtClean="0"/>
               <a:pPr/>
-              <a:t>22</a:t>
+              <a:t>23</a:t>
             </a:fld>
             <a:endParaRPr lang="en-US" dirty="0"/>
           </a:p>
@@ -2134,7 +2136,7 @@
             <a:fld id="{3EBA5BD7-F043-4D1B-AA17-CD412FC534DE}" type="slidenum">
               <a:rPr lang="en-US" smtClean="0"/>
               <a:pPr/>
-              <a:t>23</a:t>
+              <a:t>24</a:t>
             </a:fld>
             <a:endParaRPr lang="en-US" dirty="0"/>
           </a:p>
@@ -11697,6 +11699,678 @@
           <a:chExt cx="0" cy="0"/>
         </a:xfrm>
       </p:grpSpPr>
+      <p:sp>
+        <p:nvSpPr>
+          <p:cNvPr id="5" name="Content Placeholder 4"/>
+          <p:cNvSpPr>
+            <a:spLocks noGrp="1"/>
+          </p:cNvSpPr>
+          <p:nvPr>
+            <p:ph type="body" sz="quarter" idx="10"/>
+          </p:nvPr>
+        </p:nvSpPr>
+        <p:spPr>
+          <a:xfrm>
+            <a:off x="297666" y="1572823"/>
+            <a:ext cx="7216989" cy="4826400"/>
+          </a:xfrm>
+        </p:spPr>
+        <p:txBody>
+          <a:bodyPr>
+            <a:normAutofit/>
+          </a:bodyPr>
+          <a:lstStyle/>
+          <a:p>
+            <a:pPr marL="157056" lvl="1" indent="-304747">
+              <a:lnSpc>
+                <a:spcPct val="100000"/>
+              </a:lnSpc>
+              <a:buClr>
+                <a:schemeClr val="tx1"/>
+              </a:buClr>
+              <a:buSzPct val="100000"/>
+            </a:pPr>
+            <a:r>
+              <a:rPr lang="en-US" sz="3600" dirty="0"/>
+              <a:t>Java Developer @SAP</a:t>
+            </a:r>
+            <a:endParaRPr lang="bg-BG" sz="3600" dirty="0"/>
+          </a:p>
+          <a:p>
+            <a:pPr marL="157056" lvl="1" indent="-304747">
+              <a:lnSpc>
+                <a:spcPct val="100000"/>
+              </a:lnSpc>
+              <a:buClr>
+                <a:schemeClr val="tx1"/>
+              </a:buClr>
+              <a:buSzPct val="100000"/>
+            </a:pPr>
+            <a:r>
+              <a:rPr lang="en-US" sz="3600" dirty="0"/>
+              <a:t>Ex-competitor in Mathematics</a:t>
+            </a:r>
+          </a:p>
+          <a:p>
+            <a:pPr marL="157056" lvl="1" indent="-304747">
+              <a:lnSpc>
+                <a:spcPct val="100000"/>
+              </a:lnSpc>
+              <a:buClr>
+                <a:schemeClr val="tx1"/>
+              </a:buClr>
+              <a:buSzPct val="100000"/>
+            </a:pPr>
+            <a:r>
+              <a:rPr lang="en-US" sz="3600" noProof="1"/>
+              <a:t>Technical Trainer @SoftUni</a:t>
+            </a:r>
+          </a:p>
+          <a:p>
+            <a:pPr marL="157056" lvl="1" indent="-304747">
+              <a:lnSpc>
+                <a:spcPct val="100000"/>
+              </a:lnSpc>
+              <a:buClr>
+                <a:schemeClr val="tx1"/>
+              </a:buClr>
+              <a:buSzPct val="100000"/>
+            </a:pPr>
+            <a:r>
+              <a:rPr lang="en-US" sz="3600" noProof="1"/>
+              <a:t>Programming Basics Team Lead</a:t>
+            </a:r>
+          </a:p>
+          <a:p>
+            <a:pPr marL="157056" lvl="1" indent="-304747">
+              <a:lnSpc>
+                <a:spcPct val="100000"/>
+              </a:lnSpc>
+              <a:buClr>
+                <a:schemeClr val="tx1"/>
+              </a:buClr>
+              <a:buSzPct val="100000"/>
+            </a:pPr>
+            <a:r>
+              <a:rPr lang="en-US" sz="3600" noProof="1"/>
+              <a:t>Content Development Team Lead</a:t>
+            </a:r>
+          </a:p>
+        </p:txBody>
+      </p:sp>
+      <p:sp>
+        <p:nvSpPr>
+          <p:cNvPr id="4" name="Title 3"/>
+          <p:cNvSpPr>
+            <a:spLocks noGrp="1"/>
+          </p:cNvSpPr>
+          <p:nvPr>
+            <p:ph type="title"/>
+          </p:nvPr>
+        </p:nvSpPr>
+        <p:spPr/>
+        <p:txBody>
+          <a:bodyPr/>
+          <a:lstStyle/>
+          <a:p>
+            <a:r>
+              <a:rPr lang="en-US" dirty="0" err="1"/>
+              <a:t>Desislava</a:t>
+            </a:r>
+            <a:r>
+              <a:rPr lang="en-US" dirty="0"/>
+              <a:t> </a:t>
+            </a:r>
+            <a:r>
+              <a:rPr lang="en-US" dirty="0" err="1"/>
+              <a:t>Topuzakova</a:t>
+            </a:r>
+            <a:endParaRPr lang="en-US" dirty="0"/>
+          </a:p>
+        </p:txBody>
+      </p:sp>
+      <p:sp>
+        <p:nvSpPr>
+          <p:cNvPr id="7" name="Slide Number Placeholder 3"/>
+          <p:cNvSpPr>
+            <a:spLocks noGrp="1"/>
+          </p:cNvSpPr>
+          <p:nvPr>
+            <p:ph type="sldNum" sz="quarter" idx="4294967295"/>
+          </p:nvPr>
+        </p:nvSpPr>
+        <p:spPr>
+          <a:xfrm>
+            <a:off x="11563400" y="6397195"/>
+            <a:ext cx="428710" cy="308845"/>
+          </a:xfrm>
+          <a:prstGeom prst="rect">
+            <a:avLst/>
+          </a:prstGeom>
+        </p:spPr>
+        <p:txBody>
+          <a:bodyPr vert="horz" lIns="36000" tIns="36000" rIns="36000" bIns="36000" rtlCol="0" anchor="ctr"/>
+          <a:lstStyle>
+            <a:defPPr>
+              <a:defRPr lang="en-US"/>
+            </a:defPPr>
+            <a:lvl1pPr marL="0" algn="r" defTabSz="914400" rtl="0" eaLnBrk="1" latinLnBrk="0" hangingPunct="1">
+              <a:defRPr sz="1000" kern="1200">
+                <a:solidFill>
+                  <a:schemeClr val="tx1"/>
+                </a:solidFill>
+                <a:latin typeface="+mn-lt"/>
+                <a:ea typeface="+mn-ea"/>
+                <a:cs typeface="+mn-cs"/>
+              </a:defRPr>
+            </a:lvl1pPr>
+            <a:lvl2pPr marL="457200" algn="l" defTabSz="914400" rtl="0" eaLnBrk="1" latinLnBrk="0" hangingPunct="1">
+              <a:defRPr sz="1800" kern="1200">
+                <a:solidFill>
+                  <a:schemeClr val="tx1"/>
+                </a:solidFill>
+                <a:latin typeface="+mn-lt"/>
+                <a:ea typeface="+mn-ea"/>
+                <a:cs typeface="+mn-cs"/>
+              </a:defRPr>
+            </a:lvl2pPr>
+            <a:lvl3pPr marL="914400" algn="l" defTabSz="914400" rtl="0" eaLnBrk="1" latinLnBrk="0" hangingPunct="1">
+              <a:defRPr sz="1800" kern="1200">
+                <a:solidFill>
+                  <a:schemeClr val="tx1"/>
+                </a:solidFill>
+                <a:latin typeface="+mn-lt"/>
+                <a:ea typeface="+mn-ea"/>
+                <a:cs typeface="+mn-cs"/>
+              </a:defRPr>
+            </a:lvl3pPr>
+            <a:lvl4pPr marL="1371600" algn="l" defTabSz="914400" rtl="0" eaLnBrk="1" latinLnBrk="0" hangingPunct="1">
+              <a:defRPr sz="1800" kern="1200">
+                <a:solidFill>
+                  <a:schemeClr val="tx1"/>
+                </a:solidFill>
+                <a:latin typeface="+mn-lt"/>
+                <a:ea typeface="+mn-ea"/>
+                <a:cs typeface="+mn-cs"/>
+              </a:defRPr>
+            </a:lvl4pPr>
+            <a:lvl5pPr marL="1828800" algn="l" defTabSz="914400" rtl="0" eaLnBrk="1" latinLnBrk="0" hangingPunct="1">
+              <a:defRPr sz="1800" kern="1200">
+                <a:solidFill>
+                  <a:schemeClr val="tx1"/>
+                </a:solidFill>
+                <a:latin typeface="+mn-lt"/>
+                <a:ea typeface="+mn-ea"/>
+                <a:cs typeface="+mn-cs"/>
+              </a:defRPr>
+            </a:lvl5pPr>
+            <a:lvl6pPr marL="2286000" algn="l" defTabSz="914400" rtl="0" eaLnBrk="1" latinLnBrk="0" hangingPunct="1">
+              <a:defRPr sz="1800" kern="1200">
+                <a:solidFill>
+                  <a:schemeClr val="tx1"/>
+                </a:solidFill>
+                <a:latin typeface="+mn-lt"/>
+                <a:ea typeface="+mn-ea"/>
+                <a:cs typeface="+mn-cs"/>
+              </a:defRPr>
+            </a:lvl6pPr>
+            <a:lvl7pPr marL="2743200" algn="l" defTabSz="914400" rtl="0" eaLnBrk="1" latinLnBrk="0" hangingPunct="1">
+              <a:defRPr sz="1800" kern="1200">
+                <a:solidFill>
+                  <a:schemeClr val="tx1"/>
+                </a:solidFill>
+                <a:latin typeface="+mn-lt"/>
+                <a:ea typeface="+mn-ea"/>
+                <a:cs typeface="+mn-cs"/>
+              </a:defRPr>
+            </a:lvl7pPr>
+            <a:lvl8pPr marL="3200400" algn="l" defTabSz="914400" rtl="0" eaLnBrk="1" latinLnBrk="0" hangingPunct="1">
+              <a:defRPr sz="1800" kern="1200">
+                <a:solidFill>
+                  <a:schemeClr val="tx1"/>
+                </a:solidFill>
+                <a:latin typeface="+mn-lt"/>
+                <a:ea typeface="+mn-ea"/>
+                <a:cs typeface="+mn-cs"/>
+              </a:defRPr>
+            </a:lvl8pPr>
+            <a:lvl9pPr marL="3657600" algn="l" defTabSz="914400" rtl="0" eaLnBrk="1" latinLnBrk="0" hangingPunct="1">
+              <a:defRPr sz="1800" kern="1200">
+                <a:solidFill>
+                  <a:schemeClr val="tx1"/>
+                </a:solidFill>
+                <a:latin typeface="+mn-lt"/>
+                <a:ea typeface="+mn-ea"/>
+                <a:cs typeface="+mn-cs"/>
+              </a:defRPr>
+            </a:lvl9pPr>
+          </a:lstStyle>
+          <a:p>
+            <a:pPr>
+              <a:defRPr/>
+            </a:pPr>
+            <a:fld id="{C014DD1E-5D91-48A3-AD6D-45FBA980D106}" type="slidenum">
+              <a:rPr lang="en-US" smtClean="0">
+                <a:solidFill>
+                  <a:prstClr val="white">
+                    <a:tint val="75000"/>
+                  </a:prstClr>
+                </a:solidFill>
+              </a:rPr>
+              <a:pPr>
+                <a:defRPr/>
+              </a:pPr>
+              <a:t>10</a:t>
+            </a:fld>
+            <a:endParaRPr lang="en-US">
+              <a:solidFill>
+                <a:prstClr val="white">
+                  <a:tint val="75000"/>
+                </a:prstClr>
+              </a:solidFill>
+            </a:endParaRPr>
+          </a:p>
+        </p:txBody>
+      </p:sp>
+      <p:sp>
+        <p:nvSpPr>
+          <p:cNvPr id="6" name="Slide Number">
+            <a:extLst>
+              <a:ext uri="{FF2B5EF4-FFF2-40B4-BE49-F238E27FC236}">
+                <a16:creationId xmlns:a16="http://schemas.microsoft.com/office/drawing/2014/main" id="{F92E40BC-EA78-46D8-A3BC-5AA7087D6243}"/>
+              </a:ext>
+            </a:extLst>
+          </p:cNvPr>
+          <p:cNvSpPr>
+            <a:spLocks noGrp="1"/>
+          </p:cNvSpPr>
+          <p:nvPr>
+            <p:ph type="sldNum" sz="quarter" idx="5"/>
+          </p:nvPr>
+        </p:nvSpPr>
+        <p:spPr>
+          <a:xfrm>
+            <a:off x="11753030" y="6507000"/>
+            <a:ext cx="367414" cy="297000"/>
+          </a:xfrm>
+          <a:prstGeom prst="rect">
+            <a:avLst/>
+          </a:prstGeom>
+        </p:spPr>
+        <p:txBody>
+          <a:bodyPr vert="horz" lIns="91440" tIns="45720" rIns="91440" bIns="45720" rtlCol="0" anchor="b"/>
+          <a:lstStyle>
+            <a:lvl1pPr algn="r">
+              <a:defRPr sz="1000"/>
+            </a:lvl1pPr>
+          </a:lstStyle>
+          <a:p>
+            <a:r>
+              <a:rPr lang="en-US" noProof="0" dirty="0"/>
+              <a:t>11</a:t>
+            </a:r>
+          </a:p>
+        </p:txBody>
+      </p:sp>
+      <p:pic>
+        <p:nvPicPr>
+          <p:cNvPr id="3" name="Picture 2"/>
+          <p:cNvPicPr>
+            <a:picLocks noChangeAspect="1"/>
+          </p:cNvPicPr>
+          <p:nvPr/>
+        </p:nvPicPr>
+        <p:blipFill>
+          <a:blip r:embed="rId3"/>
+          <a:stretch>
+            <a:fillRect/>
+          </a:stretch>
+        </p:blipFill>
+        <p:spPr>
+          <a:xfrm>
+            <a:off x="7761000" y="1584000"/>
+            <a:ext cx="3690000" cy="3690000"/>
+          </a:xfrm>
+          <a:prstGeom prst="rect">
+            <a:avLst/>
+          </a:prstGeom>
+          <a:ln>
+            <a:noFill/>
+          </a:ln>
+          <a:effectLst>
+            <a:outerShdw blurRad="107950" dist="12700" dir="5400000" algn="ctr">
+              <a:srgbClr val="000000"/>
+            </a:outerShdw>
+          </a:effectLst>
+          <a:scene3d>
+            <a:camera prst="orthographicFront">
+              <a:rot lat="0" lon="0" rev="0"/>
+            </a:camera>
+            <a:lightRig rig="soft" dir="t">
+              <a:rot lat="0" lon="0" rev="0"/>
+            </a:lightRig>
+          </a:scene3d>
+          <a:sp3d contourW="44450" prstMaterial="matte">
+            <a:bevelT w="63500" h="63500" prst="artDeco"/>
+            <a:contourClr>
+              <a:srgbClr val="FFFFFF"/>
+            </a:contourClr>
+          </a:sp3d>
+        </p:spPr>
+      </p:pic>
+    </p:spTree>
+    <p:extLst>
+      <p:ext uri="{BB962C8B-B14F-4D97-AF65-F5344CB8AC3E}">
+        <p14:creationId xmlns:p14="http://schemas.microsoft.com/office/powerpoint/2010/main" val="2067605679"/>
+      </p:ext>
+    </p:extLst>
+  </p:cSld>
+  <p:clrMapOvr>
+    <a:masterClrMapping/>
+  </p:clrMapOvr>
+  <mc:AlternateContent xmlns:mc="http://schemas.openxmlformats.org/markup-compatibility/2006" xmlns:p14="http://schemas.microsoft.com/office/powerpoint/2010/main">
+    <mc:Choice Requires="p14">
+      <p:transition spd="slow" p14:dur="2000" advClick="0" advTm="5000"/>
+    </mc:Choice>
+    <mc:Fallback xmlns="">
+      <p:transition spd="slow" advClick="0" advTm="5000"/>
+    </mc:Fallback>
+  </mc:AlternateContent>
+  <p:timing>
+    <p:tnLst>
+      <p:par>
+        <p:cTn id="1" dur="indefinite" restart="never" nodeType="tmRoot">
+          <p:childTnLst>
+            <p:seq concurrent="1" nextAc="seek">
+              <p:cTn id="2" dur="indefinite" nodeType="mainSeq">
+                <p:childTnLst>
+                  <p:par>
+                    <p:cTn id="3" fill="hold">
+                      <p:stCondLst>
+                        <p:cond delay="indefinite"/>
+                      </p:stCondLst>
+                      <p:childTnLst>
+                        <p:par>
+                          <p:cTn id="4" fill="hold">
+                            <p:stCondLst>
+                              <p:cond delay="0"/>
+                            </p:stCondLst>
+                            <p:childTnLst>
+                              <p:par>
+                                <p:cTn id="5" presetID="1" presetClass="entr" presetSubtype="0" fill="hold" nodeType="clickEffect">
+                                  <p:stCondLst>
+                                    <p:cond delay="0"/>
+                                  </p:stCondLst>
+                                  <p:childTnLst>
+                                    <p:set>
+                                      <p:cBhvr>
+                                        <p:cTn id="6" dur="1" fill="hold">
+                                          <p:stCondLst>
+                                            <p:cond delay="0"/>
+                                          </p:stCondLst>
+                                        </p:cTn>
+                                        <p:tgtEl>
+                                          <p:spTgt spid="5">
+                                            <p:txEl>
+                                              <p:pRg st="0" end="0"/>
+                                            </p:txEl>
+                                          </p:spTgt>
+                                        </p:tgtEl>
+                                        <p:attrNameLst>
+                                          <p:attrName>style.visibility</p:attrName>
+                                        </p:attrNameLst>
+                                      </p:cBhvr>
+                                      <p:to>
+                                        <p:strVal val="visible"/>
+                                      </p:to>
+                                    </p:set>
+                                  </p:childTnLst>
+                                </p:cTn>
+                              </p:par>
+                            </p:childTnLst>
+                          </p:cTn>
+                        </p:par>
+                      </p:childTnLst>
+                    </p:cTn>
+                  </p:par>
+                  <p:par>
+                    <p:cTn id="7" fill="hold">
+                      <p:stCondLst>
+                        <p:cond delay="indefinite"/>
+                      </p:stCondLst>
+                      <p:childTnLst>
+                        <p:par>
+                          <p:cTn id="8" fill="hold">
+                            <p:stCondLst>
+                              <p:cond delay="0"/>
+                            </p:stCondLst>
+                            <p:childTnLst>
+                              <p:par>
+                                <p:cTn id="9" presetID="1" presetClass="entr" presetSubtype="0" fill="hold" nodeType="clickEffect">
+                                  <p:stCondLst>
+                                    <p:cond delay="0"/>
+                                  </p:stCondLst>
+                                  <p:childTnLst>
+                                    <p:set>
+                                      <p:cBhvr>
+                                        <p:cTn id="10" dur="1" fill="hold">
+                                          <p:stCondLst>
+                                            <p:cond delay="0"/>
+                                          </p:stCondLst>
+                                        </p:cTn>
+                                        <p:tgtEl>
+                                          <p:spTgt spid="5">
+                                            <p:txEl>
+                                              <p:pRg st="1" end="1"/>
+                                            </p:txEl>
+                                          </p:spTgt>
+                                        </p:tgtEl>
+                                        <p:attrNameLst>
+                                          <p:attrName>style.visibility</p:attrName>
+                                        </p:attrNameLst>
+                                      </p:cBhvr>
+                                      <p:to>
+                                        <p:strVal val="visible"/>
+                                      </p:to>
+                                    </p:set>
+                                  </p:childTnLst>
+                                </p:cTn>
+                              </p:par>
+                            </p:childTnLst>
+                          </p:cTn>
+                        </p:par>
+                      </p:childTnLst>
+                    </p:cTn>
+                  </p:par>
+                  <p:par>
+                    <p:cTn id="11" fill="hold">
+                      <p:stCondLst>
+                        <p:cond delay="indefinite"/>
+                      </p:stCondLst>
+                      <p:childTnLst>
+                        <p:par>
+                          <p:cTn id="12" fill="hold">
+                            <p:stCondLst>
+                              <p:cond delay="0"/>
+                            </p:stCondLst>
+                            <p:childTnLst>
+                              <p:par>
+                                <p:cTn id="13" presetID="1" presetClass="entr" presetSubtype="0" fill="hold" nodeType="clickEffect">
+                                  <p:stCondLst>
+                                    <p:cond delay="0"/>
+                                  </p:stCondLst>
+                                  <p:childTnLst>
+                                    <p:set>
+                                      <p:cBhvr>
+                                        <p:cTn id="14" dur="1" fill="hold">
+                                          <p:stCondLst>
+                                            <p:cond delay="0"/>
+                                          </p:stCondLst>
+                                        </p:cTn>
+                                        <p:tgtEl>
+                                          <p:spTgt spid="5">
+                                            <p:txEl>
+                                              <p:pRg st="2" end="2"/>
+                                            </p:txEl>
+                                          </p:spTgt>
+                                        </p:tgtEl>
+                                        <p:attrNameLst>
+                                          <p:attrName>style.visibility</p:attrName>
+                                        </p:attrNameLst>
+                                      </p:cBhvr>
+                                      <p:to>
+                                        <p:strVal val="visible"/>
+                                      </p:to>
+                                    </p:set>
+                                  </p:childTnLst>
+                                </p:cTn>
+                              </p:par>
+                            </p:childTnLst>
+                          </p:cTn>
+                        </p:par>
+                      </p:childTnLst>
+                    </p:cTn>
+                  </p:par>
+                  <p:par>
+                    <p:cTn id="15" fill="hold">
+                      <p:stCondLst>
+                        <p:cond delay="indefinite"/>
+                      </p:stCondLst>
+                      <p:childTnLst>
+                        <p:par>
+                          <p:cTn id="16" fill="hold">
+                            <p:stCondLst>
+                              <p:cond delay="0"/>
+                            </p:stCondLst>
+                            <p:childTnLst>
+                              <p:par>
+                                <p:cTn id="17" presetID="1" presetClass="entr" presetSubtype="0" fill="hold" nodeType="clickEffect">
+                                  <p:stCondLst>
+                                    <p:cond delay="0"/>
+                                  </p:stCondLst>
+                                  <p:childTnLst>
+                                    <p:set>
+                                      <p:cBhvr>
+                                        <p:cTn id="18" dur="1" fill="hold">
+                                          <p:stCondLst>
+                                            <p:cond delay="0"/>
+                                          </p:stCondLst>
+                                        </p:cTn>
+                                        <p:tgtEl>
+                                          <p:spTgt spid="5">
+                                            <p:txEl>
+                                              <p:pRg st="3" end="3"/>
+                                            </p:txEl>
+                                          </p:spTgt>
+                                        </p:tgtEl>
+                                        <p:attrNameLst>
+                                          <p:attrName>style.visibility</p:attrName>
+                                        </p:attrNameLst>
+                                      </p:cBhvr>
+                                      <p:to>
+                                        <p:strVal val="visible"/>
+                                      </p:to>
+                                    </p:set>
+                                  </p:childTnLst>
+                                </p:cTn>
+                              </p:par>
+                            </p:childTnLst>
+                          </p:cTn>
+                        </p:par>
+                      </p:childTnLst>
+                    </p:cTn>
+                  </p:par>
+                  <p:par>
+                    <p:cTn id="19" fill="hold">
+                      <p:stCondLst>
+                        <p:cond delay="indefinite"/>
+                      </p:stCondLst>
+                      <p:childTnLst>
+                        <p:par>
+                          <p:cTn id="20" fill="hold">
+                            <p:stCondLst>
+                              <p:cond delay="0"/>
+                            </p:stCondLst>
+                            <p:childTnLst>
+                              <p:par>
+                                <p:cTn id="21" presetID="1" presetClass="entr" presetSubtype="0" fill="hold" nodeType="clickEffect">
+                                  <p:stCondLst>
+                                    <p:cond delay="0"/>
+                                  </p:stCondLst>
+                                  <p:childTnLst>
+                                    <p:set>
+                                      <p:cBhvr>
+                                        <p:cTn id="22" dur="1" fill="hold">
+                                          <p:stCondLst>
+                                            <p:cond delay="0"/>
+                                          </p:stCondLst>
+                                        </p:cTn>
+                                        <p:tgtEl>
+                                          <p:spTgt spid="5">
+                                            <p:txEl>
+                                              <p:pRg st="4" end="4"/>
+                                            </p:txEl>
+                                          </p:spTgt>
+                                        </p:tgtEl>
+                                        <p:attrNameLst>
+                                          <p:attrName>style.visibility</p:attrName>
+                                        </p:attrNameLst>
+                                      </p:cBhvr>
+                                      <p:to>
+                                        <p:strVal val="visible"/>
+                                      </p:to>
+                                    </p:set>
+                                  </p:childTnLst>
+                                </p:cTn>
+                              </p:par>
+                            </p:childTnLst>
+                          </p:cTn>
+                        </p:par>
+                      </p:childTnLst>
+                    </p:cTn>
+                  </p:par>
+                </p:childTnLst>
+              </p:cTn>
+              <p:prevCondLst>
+                <p:cond evt="onPrev" delay="0">
+                  <p:tgtEl>
+                    <p:sldTgt/>
+                  </p:tgtEl>
+                </p:cond>
+              </p:prevCondLst>
+              <p:nextCondLst>
+                <p:cond evt="onNext" delay="0">
+                  <p:tgtEl>
+                    <p:sldTgt/>
+                  </p:tgtEl>
+                </p:cond>
+              </p:nextCondLst>
+            </p:seq>
+          </p:childTnLst>
+        </p:cTn>
+      </p:par>
+    </p:tnLst>
+  </p:timing>
+</p:sld>
+</file>
+
+<file path=ppt/slides/slide11.xml><?xml version="1.0" encoding="utf-8"?>
+<p:sld xmlns:a="http://schemas.openxmlformats.org/drawingml/2006/main" xmlns:r="http://schemas.openxmlformats.org/officeDocument/2006/relationships" xmlns:p="http://schemas.openxmlformats.org/presentationml/2006/main">
+  <p:cSld>
+    <p:spTree>
+      <p:nvGrpSpPr>
+        <p:cNvPr id="1" name=""/>
+        <p:cNvGrpSpPr/>
+        <p:nvPr/>
+      </p:nvGrpSpPr>
+      <p:grpSpPr>
+        <a:xfrm>
+          <a:off x="0" y="0"/>
+          <a:ext cx="0" cy="0"/>
+          <a:chOff x="0" y="0"/>
+          <a:chExt cx="0" cy="0"/>
+        </a:xfrm>
+      </p:grpSpPr>
       <p:pic>
         <p:nvPicPr>
           <p:cNvPr id="7" name="Picture 6">
@@ -11782,7 +12456,7 @@
 </p:sld>
 </file>
 
-<file path=ppt/slides/slide11.xml><?xml version="1.0" encoding="utf-8"?>
+<file path=ppt/slides/slide12.xml><?xml version="1.0" encoding="utf-8"?>
 <p:sld xmlns:a="http://schemas.openxmlformats.org/drawingml/2006/main" xmlns:r="http://schemas.openxmlformats.org/officeDocument/2006/relationships" xmlns:p="http://schemas.openxmlformats.org/presentationml/2006/main">
   <p:cSld>
     <p:spTree>
@@ -13064,7 +13738,7 @@
             <a:fld id="{2BF067CD-8E6B-4360-9AA8-C5DF2A48A6D1}" type="slidenum">
               <a:rPr lang="en-US" noProof="0" smtClean="0"/>
               <a:pPr/>
-              <a:t>11</a:t>
+              <a:t>12</a:t>
             </a:fld>
             <a:endParaRPr lang="en-US" noProof="0" dirty="0"/>
           </a:p>
@@ -13271,7 +13945,7 @@
 </p:sld>
 </file>
 
-<file path=ppt/slides/slide12.xml><?xml version="1.0" encoding="utf-8"?>
+<file path=ppt/slides/slide13.xml><?xml version="1.0" encoding="utf-8"?>
 <p:sld xmlns:a="http://schemas.openxmlformats.org/drawingml/2006/main" xmlns:r="http://schemas.openxmlformats.org/officeDocument/2006/relationships" xmlns:p="http://schemas.openxmlformats.org/presentationml/2006/main">
   <p:cSld>
     <p:spTree>
@@ -13973,7 +14647,7 @@
             <a:fld id="{2BF067CD-8E6B-4360-9AA8-C5DF2A48A6D1}" type="slidenum">
               <a:rPr lang="en-US" smtClean="0"/>
               <a:pPr/>
-              <a:t>12</a:t>
+              <a:t>13</a:t>
             </a:fld>
             <a:endParaRPr lang="en-US" dirty="0"/>
           </a:p>
@@ -14033,7 +14707,7 @@
 </p:sld>
 </file>
 
-<file path=ppt/slides/slide13.xml><?xml version="1.0" encoding="utf-8"?>
+<file path=ppt/slides/slide14.xml><?xml version="1.0" encoding="utf-8"?>
 <p:sld xmlns:a="http://schemas.openxmlformats.org/drawingml/2006/main" xmlns:r="http://schemas.openxmlformats.org/officeDocument/2006/relationships" xmlns:p="http://schemas.openxmlformats.org/presentationml/2006/main">
   <p:cSld>
     <p:spTree>
@@ -14279,7 +14953,7 @@
         </p:nvSpPr>
         <p:spPr>
           <a:xfrm>
-            <a:off x="7899578" y="2786253"/>
+            <a:off x="7905389" y="2928955"/>
             <a:ext cx="1911099" cy="1285494"/>
           </a:xfrm>
           <a:prstGeom prst="rect">
@@ -14406,19 +15080,8 @@
               <a:rPr lang="en-US" sz="2400" b="1" dirty="0"/>
             </a:br>
             <a:r>
-              <a:rPr lang="en-US" sz="2400" b="1" dirty="0"/>
+              <a:rPr lang="en-US" sz="2400" b="1" dirty="0" smtClean="0"/>
               <a:t>Exam</a:t>
-            </a:r>
-            <a:r>
-              <a:rPr lang="bg-BG" sz="2400" b="1" dirty="0"/>
-              <a:t/>
-            </a:r>
-            <a:br>
-              <a:rPr lang="bg-BG" sz="2400" b="1" dirty="0"/>
-            </a:br>
-            <a:r>
-              <a:rPr lang="bg-BG" sz="2400" b="1" dirty="0"/>
-              <a:t>100%</a:t>
             </a:r>
             <a:endParaRPr lang="en-US" sz="2400" b="1" dirty="0"/>
           </a:p>
@@ -14548,7 +15211,7 @@
             <a:fld id="{2BF067CD-8E6B-4360-9AA8-C5DF2A48A6D1}" type="slidenum">
               <a:rPr lang="en-US" smtClean="0"/>
               <a:pPr/>
-              <a:t>13</a:t>
+              <a:t>14</a:t>
             </a:fld>
             <a:endParaRPr lang="en-US" dirty="0"/>
           </a:p>
@@ -14583,10 +15246,200 @@
           </a:p>
         </p:txBody>
       </p:sp>
+      <p:pic>
+        <p:nvPicPr>
+          <p:cNvPr id="8" name="Picture 7">
+            <a:extLst>
+              <a:ext uri="{FF2B5EF4-FFF2-40B4-BE49-F238E27FC236}">
+                <a16:creationId xmlns:a16="http://schemas.microsoft.com/office/drawing/2014/main" id="{75F67325-2631-4874-9B72-1F4B13FA3422}"/>
+              </a:ext>
+            </a:extLst>
+          </p:cNvPr>
+          <p:cNvPicPr>
+            <a:picLocks noChangeAspect="1"/>
+          </p:cNvPicPr>
+          <p:nvPr/>
+        </p:nvPicPr>
+        <p:blipFill rotWithShape="1">
+          <a:blip r:embed="rId4" cstate="print">
+            <a:extLst>
+              <a:ext uri="{28A0092B-C50C-407E-A947-70E740481C1C}">
+                <a14:useLocalDpi xmlns:a14="http://schemas.microsoft.com/office/drawing/2010/main" val="0"/>
+              </a:ext>
+            </a:extLst>
+          </a:blip>
+          <a:srcRect/>
+          <a:stretch/>
+        </p:blipFill>
+        <p:spPr>
+          <a:xfrm rot="18263029">
+            <a:off x="960113" y="1328512"/>
+            <a:ext cx="2948472" cy="3455980"/>
+          </a:xfrm>
+          <a:prstGeom prst="rect">
+            <a:avLst/>
+          </a:prstGeom>
+        </p:spPr>
+      </p:pic>
+      <p:sp>
+        <p:nvSpPr>
+          <p:cNvPr id="10" name="TextBox 9">
+            <a:extLst>
+              <a:ext uri="{FF2B5EF4-FFF2-40B4-BE49-F238E27FC236}">
+                <a16:creationId xmlns:a16="http://schemas.microsoft.com/office/drawing/2014/main" id="{C09E4AE8-E6EF-49CD-943C-B0B0BE0F6DCC}"/>
+              </a:ext>
+            </a:extLst>
+          </p:cNvPr>
+          <p:cNvSpPr txBox="1"/>
+          <p:nvPr/>
+        </p:nvSpPr>
+        <p:spPr>
+          <a:xfrm>
+            <a:off x="1056000" y="2473457"/>
+            <a:ext cx="1959520" cy="1285494"/>
+          </a:xfrm>
+          <a:prstGeom prst="rect">
+            <a:avLst/>
+          </a:prstGeom>
+        </p:spPr>
+        <p:txBody>
+          <a:bodyPr vert="horz" lIns="108000" tIns="36000" rIns="108000" bIns="36000" rtlCol="0">
+            <a:normAutofit/>
+          </a:bodyPr>
+          <a:lstStyle>
+            <a:lvl1pPr marL="456915" indent="-456915" defTabSz="1218438" latinLnBrk="1">
+              <a:lnSpc>
+                <a:spcPct val="105000"/>
+              </a:lnSpc>
+              <a:spcBef>
+                <a:spcPts val="1200"/>
+              </a:spcBef>
+              <a:spcAft>
+                <a:spcPts val="2400"/>
+              </a:spcAft>
+              <a:buFont typeface="Wingdings" panose="05000000000000000000" pitchFamily="2" charset="2"/>
+              <a:buChar char="§"/>
+              <a:defRPr sz="3600"/>
+            </a:lvl1pPr>
+            <a:lvl2pPr marL="989981" lvl="1" indent="-380762" defTabSz="1218438" latinLnBrk="1">
+              <a:lnSpc>
+                <a:spcPct val="105000"/>
+              </a:lnSpc>
+              <a:spcBef>
+                <a:spcPts val="600"/>
+              </a:spcBef>
+              <a:spcAft>
+                <a:spcPts val="600"/>
+              </a:spcAft>
+              <a:buFont typeface="Wingdings" panose="05000000000000000000" pitchFamily="2" charset="2"/>
+              <a:buChar char="§"/>
+              <a:defRPr sz="3400"/>
+            </a:lvl2pPr>
+            <a:lvl3pPr marL="1523048" lvl="2" indent="-304610" defTabSz="1218438" latinLnBrk="1">
+              <a:lnSpc>
+                <a:spcPct val="105000"/>
+              </a:lnSpc>
+              <a:spcBef>
+                <a:spcPts val="600"/>
+              </a:spcBef>
+              <a:spcAft>
+                <a:spcPts val="2400"/>
+              </a:spcAft>
+              <a:buFont typeface="Wingdings" panose="05000000000000000000" pitchFamily="2" charset="2"/>
+              <a:buChar char="§"/>
+              <a:defRPr sz="3200"/>
+            </a:lvl3pPr>
+            <a:lvl4pPr marL="2132267" indent="-304610" defTabSz="1218438" latinLnBrk="1">
+              <a:lnSpc>
+                <a:spcPct val="105000"/>
+              </a:lnSpc>
+              <a:spcBef>
+                <a:spcPts val="600"/>
+              </a:spcBef>
+              <a:spcAft>
+                <a:spcPts val="600"/>
+              </a:spcAft>
+              <a:buFont typeface="Wingdings" panose="05000000000000000000" pitchFamily="2" charset="2"/>
+              <a:buChar char="§"/>
+              <a:defRPr sz="2798"/>
+            </a:lvl4pPr>
+            <a:lvl5pPr marL="2741485" indent="-304610" defTabSz="1218438" latinLnBrk="1">
+              <a:lnSpc>
+                <a:spcPct val="105000"/>
+              </a:lnSpc>
+              <a:spcBef>
+                <a:spcPts val="600"/>
+              </a:spcBef>
+              <a:spcAft>
+                <a:spcPts val="600"/>
+              </a:spcAft>
+              <a:buFont typeface="Wingdings" panose="05000000000000000000" pitchFamily="2" charset="2"/>
+              <a:buChar char="§"/>
+              <a:defRPr sz="2598"/>
+            </a:lvl5pPr>
+            <a:lvl6pPr marL="3350704" indent="-304610" defTabSz="1218438" latinLnBrk="1">
+              <a:spcBef>
+                <a:spcPct val="20000"/>
+              </a:spcBef>
+              <a:buFont typeface="Arial" pitchFamily="34" charset="0"/>
+              <a:buChar char="•"/>
+              <a:defRPr sz="2665"/>
+            </a:lvl6pPr>
+            <a:lvl7pPr marL="3959924" indent="-304610" defTabSz="1218438" latinLnBrk="1">
+              <a:spcBef>
+                <a:spcPct val="20000"/>
+              </a:spcBef>
+              <a:buFont typeface="Arial" pitchFamily="34" charset="0"/>
+              <a:buChar char="•"/>
+              <a:defRPr sz="2665"/>
+            </a:lvl7pPr>
+            <a:lvl8pPr marL="4569143" indent="-304610" defTabSz="1218438" latinLnBrk="1">
+              <a:spcBef>
+                <a:spcPct val="20000"/>
+              </a:spcBef>
+              <a:buFont typeface="Arial" pitchFamily="34" charset="0"/>
+              <a:buChar char="•"/>
+              <a:defRPr sz="2665"/>
+            </a:lvl8pPr>
+            <a:lvl9pPr marL="5178362" indent="-304610" defTabSz="1218438" latinLnBrk="1">
+              <a:spcBef>
+                <a:spcPct val="20000"/>
+              </a:spcBef>
+              <a:buFont typeface="Arial" pitchFamily="34" charset="0"/>
+              <a:buChar char="•"/>
+              <a:defRPr sz="2665"/>
+            </a:lvl9pPr>
+          </a:lstStyle>
+          <a:p>
+            <a:pPr marL="0" indent="0" algn="ctr">
+              <a:buNone/>
+            </a:pPr>
+            <a:r>
+              <a:rPr lang="en-US" sz="2300" b="1" dirty="0"/>
+              <a:t>Practical </a:t>
+            </a:r>
+            <a:br>
+              <a:rPr lang="en-US" sz="2300" b="1" dirty="0"/>
+            </a:br>
+            <a:r>
+              <a:rPr lang="en-US" sz="2300" b="1" dirty="0"/>
+              <a:t>Exam</a:t>
+            </a:r>
+            <a:r>
+              <a:rPr lang="bg-BG" sz="2300" b="1" dirty="0"/>
+              <a:t/>
+            </a:r>
+            <a:br>
+              <a:rPr lang="bg-BG" sz="2300" b="1" dirty="0"/>
+            </a:br>
+            <a:endParaRPr lang="en-US" sz="2300" b="1" dirty="0"/>
+          </a:p>
+        </p:txBody>
+      </p:sp>
     </p:spTree>
     <p:extLst>
       <p:ext uri="{BB962C8B-B14F-4D97-AF65-F5344CB8AC3E}">
-        <p14:creationId xmlns:p14="http://schemas.microsoft.com/office/powerpoint/2010/main" val="220367526"/>
+        <p14:creationId xmlns:p14="http://schemas.microsoft.com/office/powerpoint/2010/main" val="2866726698"/>
       </p:ext>
     </p:extLst>
   </p:cSld>
@@ -14604,7 +15457,7 @@
 </p:sld>
 </file>
 
-<file path=ppt/slides/slide14.xml><?xml version="1.0" encoding="utf-8"?>
+<file path=ppt/slides/slide15.xml><?xml version="1.0" encoding="utf-8"?>
 <p:sld xmlns:a="http://schemas.openxmlformats.org/drawingml/2006/main" xmlns:r="http://schemas.openxmlformats.org/officeDocument/2006/relationships" xmlns:p="http://schemas.openxmlformats.org/presentationml/2006/main">
   <p:cSld>
     <p:spTree>
@@ -14850,7 +15703,7 @@
             <a:fld id="{2BF067CD-8E6B-4360-9AA8-C5DF2A48A6D1}" type="slidenum">
               <a:rPr lang="en-US" noProof="0" smtClean="0"/>
               <a:pPr/>
-              <a:t>14</a:t>
+              <a:t>15</a:t>
             </a:fld>
             <a:endParaRPr lang="en-US" noProof="0" dirty="0"/>
           </a:p>
@@ -15067,7 +15920,7 @@
 </p:sld>
 </file>
 
-<file path=ppt/slides/slide15.xml><?xml version="1.0" encoding="utf-8"?>
+<file path=ppt/slides/slide16.xml><?xml version="1.0" encoding="utf-8"?>
 <p:sld xmlns:a="http://schemas.openxmlformats.org/drawingml/2006/main" xmlns:r="http://schemas.openxmlformats.org/officeDocument/2006/relationships" xmlns:p="http://schemas.openxmlformats.org/presentationml/2006/main">
   <p:cSld>
     <p:spTree>
@@ -15259,7 +16112,7 @@
             <a:fld id="{2BF067CD-8E6B-4360-9AA8-C5DF2A48A6D1}" type="slidenum">
               <a:rPr lang="en-US" noProof="0" smtClean="0"/>
               <a:pPr/>
-              <a:t>15</a:t>
+              <a:t>16</a:t>
             </a:fld>
             <a:endParaRPr lang="en-US" noProof="0" dirty="0"/>
           </a:p>
@@ -15466,7 +16319,7 @@
 </p:sld>
 </file>
 
-<file path=ppt/slides/slide16.xml><?xml version="1.0" encoding="utf-8"?>
+<file path=ppt/slides/slide17.xml><?xml version="1.0" encoding="utf-8"?>
 <p:sld xmlns:a="http://schemas.openxmlformats.org/drawingml/2006/main" xmlns:r="http://schemas.openxmlformats.org/officeDocument/2006/relationships" xmlns:p="http://schemas.openxmlformats.org/presentationml/2006/main">
   <p:cSld>
     <p:spTree>
@@ -15740,7 +16593,7 @@
             <a:fld id="{2BF067CD-8E6B-4360-9AA8-C5DF2A48A6D1}" type="slidenum">
               <a:rPr lang="en-US" smtClean="0"/>
               <a:pPr/>
-              <a:t>16</a:t>
+              <a:t>17</a:t>
             </a:fld>
             <a:endParaRPr lang="en-US" dirty="0"/>
           </a:p>
@@ -15993,7 +16846,7 @@
 </p:sld>
 </file>
 
-<file path=ppt/slides/slide17.xml><?xml version="1.0" encoding="utf-8"?>
+<file path=ppt/slides/slide18.xml><?xml version="1.0" encoding="utf-8"?>
 <p:sld xmlns:a="http://schemas.openxmlformats.org/drawingml/2006/main" xmlns:r="http://schemas.openxmlformats.org/officeDocument/2006/relationships" xmlns:p="http://schemas.openxmlformats.org/presentationml/2006/main">
   <p:cSld>
     <p:spTree>
@@ -16095,7 +16948,7 @@
 </p:sld>
 </file>
 
-<file path=ppt/slides/slide18.xml><?xml version="1.0" encoding="utf-8"?>
+<file path=ppt/slides/slide19.xml><?xml version="1.0" encoding="utf-8"?>
 <p:sld xmlns:a="http://schemas.openxmlformats.org/drawingml/2006/main" xmlns:r="http://schemas.openxmlformats.org/officeDocument/2006/relationships" xmlns:p="http://schemas.openxmlformats.org/presentationml/2006/main">
   <p:cSld>
     <p:spTree>
@@ -16633,7 +17486,7 @@
             <a:fld id="{2BF067CD-8E6B-4360-9AA8-C5DF2A48A6D1}" type="slidenum">
               <a:rPr lang="en-US" noProof="0" smtClean="0"/>
               <a:pPr/>
-              <a:t>18</a:t>
+              <a:t>19</a:t>
             </a:fld>
             <a:endParaRPr lang="en-US" noProof="0" dirty="0"/>
           </a:p>
@@ -16974,328 +17827,6 @@
       <p:bldP spid="12" grpId="0" animBg="1"/>
     </p:bldLst>
   </p:timing>
-</p:sld>
-</file>
-
-<file path=ppt/slides/slide19.xml><?xml version="1.0" encoding="utf-8"?>
-<p:sld xmlns:a="http://schemas.openxmlformats.org/drawingml/2006/main" xmlns:r="http://schemas.openxmlformats.org/officeDocument/2006/relationships" xmlns:p="http://schemas.openxmlformats.org/presentationml/2006/main">
-  <p:cSld>
-    <p:spTree>
-      <p:nvGrpSpPr>
-        <p:cNvPr id="1" name=""/>
-        <p:cNvGrpSpPr/>
-        <p:nvPr/>
-      </p:nvGrpSpPr>
-      <p:grpSpPr>
-        <a:xfrm>
-          <a:off x="0" y="0"/>
-          <a:ext cx="0" cy="0"/>
-          <a:chOff x="0" y="0"/>
-          <a:chExt cx="0" cy="0"/>
-        </a:xfrm>
-      </p:grpSpPr>
-      <p:sp>
-        <p:nvSpPr>
-          <p:cNvPr id="3" name="Content Placeholder 2"/>
-          <p:cNvSpPr>
-            <a:spLocks noGrp="1"/>
-          </p:cNvSpPr>
-          <p:nvPr>
-            <p:ph type="body" sz="quarter" idx="10"/>
-          </p:nvPr>
-        </p:nvSpPr>
-        <p:spPr/>
-        <p:txBody>
-          <a:bodyPr/>
-          <a:lstStyle/>
-          <a:p>
-            <a:r>
-              <a:rPr lang="en-US" dirty="0"/>
-              <a:t>All lecture </a:t>
-            </a:r>
-            <a:r>
-              <a:rPr lang="en-US" b="1" dirty="0">
-                <a:solidFill>
-                  <a:schemeClr val="bg1"/>
-                </a:solidFill>
-              </a:rPr>
-              <a:t>slides</a:t>
-            </a:r>
-            <a:r>
-              <a:rPr lang="en-US" dirty="0"/>
-              <a:t>, </a:t>
-            </a:r>
-            <a:r>
-              <a:rPr lang="en-US" b="1" dirty="0">
-                <a:solidFill>
-                  <a:schemeClr val="bg1"/>
-                </a:solidFill>
-              </a:rPr>
-              <a:t>videos</a:t>
-            </a:r>
-            <a:r>
-              <a:rPr lang="en-US" dirty="0"/>
-              <a:t>, </a:t>
-            </a:r>
-            <a:r>
-              <a:rPr lang="en-US" b="1" dirty="0">
-                <a:solidFill>
-                  <a:schemeClr val="bg1"/>
-                </a:solidFill>
-              </a:rPr>
-              <a:t>homework</a:t>
-            </a:r>
-            <a:r>
-              <a:rPr lang="en-US" dirty="0"/>
-              <a:t> </a:t>
-            </a:r>
-            <a:r>
-              <a:rPr lang="en-US" b="1" dirty="0">
-                <a:solidFill>
-                  <a:schemeClr val="bg1"/>
-                </a:solidFill>
-              </a:rPr>
-              <a:t>assignments</a:t>
-            </a:r>
-            <a:r>
-              <a:rPr lang="en-US" dirty="0"/>
-              <a:t>, </a:t>
-            </a:r>
-            <a:r>
-              <a:rPr lang="en-US" b="1" dirty="0">
-                <a:solidFill>
-                  <a:schemeClr val="bg1"/>
-                </a:solidFill>
-              </a:rPr>
-              <a:t>projects</a:t>
-            </a:r>
-            <a:r>
-              <a:rPr lang="en-US" dirty="0">
-                <a:solidFill>
-                  <a:schemeClr val="tx2">
-                    <a:lumMod val="75000"/>
-                  </a:schemeClr>
-                </a:solidFill>
-              </a:rPr>
-              <a:t/>
-            </a:r>
-            <a:br>
-              <a:rPr lang="en-US" dirty="0">
-                <a:solidFill>
-                  <a:schemeClr val="tx2">
-                    <a:lumMod val="75000"/>
-                  </a:schemeClr>
-                </a:solidFill>
-              </a:rPr>
-            </a:br>
-            <a:r>
-              <a:rPr lang="en-US" dirty="0"/>
-              <a:t>and other resources are open content, available for free</a:t>
-            </a:r>
-          </a:p>
-          <a:p>
-            <a:pPr lvl="1"/>
-            <a:r>
-              <a:rPr lang="en-US" dirty="0"/>
-              <a:t>Visit the course </a:t>
-            </a:r>
-            <a:r>
-              <a:rPr lang="en-US" b="1" dirty="0">
-                <a:solidFill>
-                  <a:schemeClr val="bg1"/>
-                </a:solidFill>
-                <a:hlinkClick r:id="rId2"/>
-              </a:rPr>
-              <a:t>web site</a:t>
-            </a:r>
-            <a:r>
-              <a:rPr lang="en-US" b="1" dirty="0">
-                <a:solidFill>
-                  <a:schemeClr val="bg1"/>
-                </a:solidFill>
-              </a:rPr>
-              <a:t> </a:t>
-            </a:r>
-            <a:r>
-              <a:rPr lang="en-US" dirty="0"/>
-              <a:t>to access the course resources</a:t>
-            </a:r>
-            <a:endParaRPr lang="en-US" dirty="0">
-              <a:solidFill>
-                <a:schemeClr val="tx2">
-                  <a:lumMod val="75000"/>
-                </a:schemeClr>
-              </a:solidFill>
-            </a:endParaRPr>
-          </a:p>
-          <a:p>
-            <a:pPr lvl="1"/>
-            <a:endParaRPr lang="en-US" dirty="0">
-              <a:solidFill>
-                <a:schemeClr val="tx2">
-                  <a:lumMod val="75000"/>
-                </a:schemeClr>
-              </a:solidFill>
-            </a:endParaRPr>
-          </a:p>
-        </p:txBody>
-      </p:sp>
-      <p:sp>
-        <p:nvSpPr>
-          <p:cNvPr id="4" name="Title 3"/>
-          <p:cNvSpPr>
-            <a:spLocks noGrp="1"/>
-          </p:cNvSpPr>
-          <p:nvPr>
-            <p:ph type="title"/>
-          </p:nvPr>
-        </p:nvSpPr>
-        <p:spPr/>
-        <p:txBody>
-          <a:bodyPr>
-            <a:normAutofit/>
-          </a:bodyPr>
-          <a:lstStyle/>
-          <a:p>
-            <a:r>
-              <a:rPr lang="en-US" dirty="0"/>
-              <a:t>Java Advanced Slides and Videos</a:t>
-            </a:r>
-          </a:p>
-        </p:txBody>
-      </p:sp>
-      <p:pic>
-        <p:nvPicPr>
-          <p:cNvPr id="8" name="Picture 7">
-            <a:extLst>
-              <a:ext uri="{FF2B5EF4-FFF2-40B4-BE49-F238E27FC236}">
-                <a16:creationId xmlns:a16="http://schemas.microsoft.com/office/drawing/2014/main" id="{DCA6A70A-B682-4E45-9C91-DC63A8716B73}"/>
-              </a:ext>
-            </a:extLst>
-          </p:cNvPr>
-          <p:cNvPicPr>
-            <a:picLocks noChangeAspect="1"/>
-          </p:cNvPicPr>
-          <p:nvPr/>
-        </p:nvPicPr>
-        <p:blipFill>
-          <a:blip r:embed="rId3">
-            <a:extLst>
-              <a:ext uri="{28A0092B-C50C-407E-A947-70E740481C1C}">
-                <a14:useLocalDpi xmlns:a14="http://schemas.microsoft.com/office/drawing/2010/main" val="0"/>
-              </a:ext>
-            </a:extLst>
-          </a:blip>
-          <a:stretch>
-            <a:fillRect/>
-          </a:stretch>
-        </p:blipFill>
-        <p:spPr>
-          <a:xfrm>
-            <a:off x="6096000" y="3352800"/>
-            <a:ext cx="2781300" cy="2781300"/>
-          </a:xfrm>
-          <a:prstGeom prst="rect">
-            <a:avLst/>
-          </a:prstGeom>
-        </p:spPr>
-      </p:pic>
-      <p:pic>
-        <p:nvPicPr>
-          <p:cNvPr id="9" name="Picture 8">
-            <a:extLst>
-              <a:ext uri="{FF2B5EF4-FFF2-40B4-BE49-F238E27FC236}">
-                <a16:creationId xmlns:a16="http://schemas.microsoft.com/office/drawing/2014/main" id="{E33761CE-E981-4E23-B059-1C4A631AC20A}"/>
-              </a:ext>
-            </a:extLst>
-          </p:cNvPr>
-          <p:cNvPicPr>
-            <a:picLocks noChangeAspect="1"/>
-          </p:cNvPicPr>
-          <p:nvPr/>
-        </p:nvPicPr>
-        <p:blipFill>
-          <a:blip r:embed="rId4" cstate="print">
-            <a:extLst>
-              <a:ext uri="{28A0092B-C50C-407E-A947-70E740481C1C}">
-                <a14:useLocalDpi xmlns:a14="http://schemas.microsoft.com/office/drawing/2010/main" val="0"/>
-              </a:ext>
-            </a:extLst>
-          </a:blip>
-          <a:stretch>
-            <a:fillRect/>
-          </a:stretch>
-        </p:blipFill>
-        <p:spPr>
-          <a:xfrm>
-            <a:off x="2738756" y="3810000"/>
-            <a:ext cx="2650172" cy="2133600"/>
-          </a:xfrm>
-          <a:prstGeom prst="rect">
-            <a:avLst/>
-          </a:prstGeom>
-        </p:spPr>
-      </p:pic>
-      <p:sp>
-        <p:nvSpPr>
-          <p:cNvPr id="7" name="Slide Number">
-            <a:extLst>
-              <a:ext uri="{FF2B5EF4-FFF2-40B4-BE49-F238E27FC236}">
-                <a16:creationId xmlns:a16="http://schemas.microsoft.com/office/drawing/2014/main" id="{00D46E41-276E-4253-9414-75D6E70D0F6A}"/>
-              </a:ext>
-            </a:extLst>
-          </p:cNvPr>
-          <p:cNvSpPr>
-            <a:spLocks noGrp="1"/>
-          </p:cNvSpPr>
-          <p:nvPr>
-            <p:ph type="sldNum" sz="quarter" idx="5"/>
-          </p:nvPr>
-        </p:nvSpPr>
-        <p:spPr>
-          <a:xfrm>
-            <a:off x="11753030" y="6507000"/>
-            <a:ext cx="367414" cy="297000"/>
-          </a:xfrm>
-          <a:prstGeom prst="rect">
-            <a:avLst/>
-          </a:prstGeom>
-        </p:spPr>
-        <p:txBody>
-          <a:bodyPr vert="horz" lIns="91440" tIns="45720" rIns="91440" bIns="45720" rtlCol="0" anchor="b"/>
-          <a:lstStyle>
-            <a:lvl1pPr algn="r">
-              <a:defRPr sz="1000"/>
-            </a:lvl1pPr>
-          </a:lstStyle>
-          <a:p>
-            <a:fld id="{2BF067CD-8E6B-4360-9AA8-C5DF2A48A6D1}" type="slidenum">
-              <a:rPr lang="en-US" noProof="0" smtClean="0"/>
-              <a:pPr/>
-              <a:t>19</a:t>
-            </a:fld>
-            <a:endParaRPr lang="en-US" noProof="0" dirty="0"/>
-          </a:p>
-        </p:txBody>
-      </p:sp>
-    </p:spTree>
-    <p:extLst>
-      <p:ext uri="{BB962C8B-B14F-4D97-AF65-F5344CB8AC3E}">
-        <p14:creationId xmlns:p14="http://schemas.microsoft.com/office/powerpoint/2010/main" val="1186066345"/>
-      </p:ext>
-    </p:extLst>
-  </p:cSld>
-  <p:clrMapOvr>
-    <a:masterClrMapping/>
-  </p:clrMapOvr>
-  <mc:AlternateContent xmlns:mc="http://schemas.openxmlformats.org/markup-compatibility/2006" xmlns:p14="http://schemas.microsoft.com/office/powerpoint/2010/main">
-    <mc:Choice Requires="p14">
-      <p:transition spd="slow" p14:dur="2000" advClick="0" advTm="5000"/>
-    </mc:Choice>
-    <mc:Fallback xmlns="">
-      <p:transition spd="slow" advClick="0" advTm="5000"/>
-    </mc:Fallback>
-  </mc:AlternateContent>
 </p:sld>
 </file>
 
@@ -17807,6 +18338,328 @@
           <a:bodyPr/>
           <a:lstStyle/>
           <a:p>
+            <a:r>
+              <a:rPr lang="en-US" dirty="0"/>
+              <a:t>All lecture </a:t>
+            </a:r>
+            <a:r>
+              <a:rPr lang="en-US" b="1" dirty="0">
+                <a:solidFill>
+                  <a:schemeClr val="bg1"/>
+                </a:solidFill>
+              </a:rPr>
+              <a:t>slides</a:t>
+            </a:r>
+            <a:r>
+              <a:rPr lang="en-US" dirty="0"/>
+              <a:t>, </a:t>
+            </a:r>
+            <a:r>
+              <a:rPr lang="en-US" b="1" dirty="0">
+                <a:solidFill>
+                  <a:schemeClr val="bg1"/>
+                </a:solidFill>
+              </a:rPr>
+              <a:t>videos</a:t>
+            </a:r>
+            <a:r>
+              <a:rPr lang="en-US" dirty="0"/>
+              <a:t>, </a:t>
+            </a:r>
+            <a:r>
+              <a:rPr lang="en-US" b="1" dirty="0">
+                <a:solidFill>
+                  <a:schemeClr val="bg1"/>
+                </a:solidFill>
+              </a:rPr>
+              <a:t>homework</a:t>
+            </a:r>
+            <a:r>
+              <a:rPr lang="en-US" dirty="0"/>
+              <a:t> </a:t>
+            </a:r>
+            <a:r>
+              <a:rPr lang="en-US" b="1" dirty="0">
+                <a:solidFill>
+                  <a:schemeClr val="bg1"/>
+                </a:solidFill>
+              </a:rPr>
+              <a:t>assignments</a:t>
+            </a:r>
+            <a:r>
+              <a:rPr lang="en-US" dirty="0"/>
+              <a:t>, </a:t>
+            </a:r>
+            <a:r>
+              <a:rPr lang="en-US" b="1" dirty="0">
+                <a:solidFill>
+                  <a:schemeClr val="bg1"/>
+                </a:solidFill>
+              </a:rPr>
+              <a:t>projects</a:t>
+            </a:r>
+            <a:r>
+              <a:rPr lang="en-US" dirty="0">
+                <a:solidFill>
+                  <a:schemeClr val="tx2">
+                    <a:lumMod val="75000"/>
+                  </a:schemeClr>
+                </a:solidFill>
+              </a:rPr>
+              <a:t/>
+            </a:r>
+            <a:br>
+              <a:rPr lang="en-US" dirty="0">
+                <a:solidFill>
+                  <a:schemeClr val="tx2">
+                    <a:lumMod val="75000"/>
+                  </a:schemeClr>
+                </a:solidFill>
+              </a:rPr>
+            </a:br>
+            <a:r>
+              <a:rPr lang="en-US" dirty="0"/>
+              <a:t>and other resources are open content, available for free</a:t>
+            </a:r>
+          </a:p>
+          <a:p>
+            <a:pPr lvl="1"/>
+            <a:r>
+              <a:rPr lang="en-US" dirty="0"/>
+              <a:t>Visit the course </a:t>
+            </a:r>
+            <a:r>
+              <a:rPr lang="en-US" b="1" dirty="0">
+                <a:solidFill>
+                  <a:schemeClr val="bg1"/>
+                </a:solidFill>
+                <a:hlinkClick r:id="rId2"/>
+              </a:rPr>
+              <a:t>web site</a:t>
+            </a:r>
+            <a:r>
+              <a:rPr lang="en-US" b="1" dirty="0">
+                <a:solidFill>
+                  <a:schemeClr val="bg1"/>
+                </a:solidFill>
+              </a:rPr>
+              <a:t> </a:t>
+            </a:r>
+            <a:r>
+              <a:rPr lang="en-US" dirty="0"/>
+              <a:t>to access the course resources</a:t>
+            </a:r>
+            <a:endParaRPr lang="en-US" dirty="0">
+              <a:solidFill>
+                <a:schemeClr val="tx2">
+                  <a:lumMod val="75000"/>
+                </a:schemeClr>
+              </a:solidFill>
+            </a:endParaRPr>
+          </a:p>
+          <a:p>
+            <a:pPr lvl="1"/>
+            <a:endParaRPr lang="en-US" dirty="0">
+              <a:solidFill>
+                <a:schemeClr val="tx2">
+                  <a:lumMod val="75000"/>
+                </a:schemeClr>
+              </a:solidFill>
+            </a:endParaRPr>
+          </a:p>
+        </p:txBody>
+      </p:sp>
+      <p:sp>
+        <p:nvSpPr>
+          <p:cNvPr id="4" name="Title 3"/>
+          <p:cNvSpPr>
+            <a:spLocks noGrp="1"/>
+          </p:cNvSpPr>
+          <p:nvPr>
+            <p:ph type="title"/>
+          </p:nvPr>
+        </p:nvSpPr>
+        <p:spPr/>
+        <p:txBody>
+          <a:bodyPr>
+            <a:normAutofit/>
+          </a:bodyPr>
+          <a:lstStyle/>
+          <a:p>
+            <a:r>
+              <a:rPr lang="en-US" dirty="0"/>
+              <a:t>Java Advanced Slides and Videos</a:t>
+            </a:r>
+          </a:p>
+        </p:txBody>
+      </p:sp>
+      <p:pic>
+        <p:nvPicPr>
+          <p:cNvPr id="8" name="Picture 7">
+            <a:extLst>
+              <a:ext uri="{FF2B5EF4-FFF2-40B4-BE49-F238E27FC236}">
+                <a16:creationId xmlns:a16="http://schemas.microsoft.com/office/drawing/2014/main" id="{DCA6A70A-B682-4E45-9C91-DC63A8716B73}"/>
+              </a:ext>
+            </a:extLst>
+          </p:cNvPr>
+          <p:cNvPicPr>
+            <a:picLocks noChangeAspect="1"/>
+          </p:cNvPicPr>
+          <p:nvPr/>
+        </p:nvPicPr>
+        <p:blipFill>
+          <a:blip r:embed="rId3">
+            <a:extLst>
+              <a:ext uri="{28A0092B-C50C-407E-A947-70E740481C1C}">
+                <a14:useLocalDpi xmlns:a14="http://schemas.microsoft.com/office/drawing/2010/main" val="0"/>
+              </a:ext>
+            </a:extLst>
+          </a:blip>
+          <a:stretch>
+            <a:fillRect/>
+          </a:stretch>
+        </p:blipFill>
+        <p:spPr>
+          <a:xfrm>
+            <a:off x="6096000" y="3352800"/>
+            <a:ext cx="2781300" cy="2781300"/>
+          </a:xfrm>
+          <a:prstGeom prst="rect">
+            <a:avLst/>
+          </a:prstGeom>
+        </p:spPr>
+      </p:pic>
+      <p:pic>
+        <p:nvPicPr>
+          <p:cNvPr id="9" name="Picture 8">
+            <a:extLst>
+              <a:ext uri="{FF2B5EF4-FFF2-40B4-BE49-F238E27FC236}">
+                <a16:creationId xmlns:a16="http://schemas.microsoft.com/office/drawing/2014/main" id="{E33761CE-E981-4E23-B059-1C4A631AC20A}"/>
+              </a:ext>
+            </a:extLst>
+          </p:cNvPr>
+          <p:cNvPicPr>
+            <a:picLocks noChangeAspect="1"/>
+          </p:cNvPicPr>
+          <p:nvPr/>
+        </p:nvPicPr>
+        <p:blipFill>
+          <a:blip r:embed="rId4" cstate="print">
+            <a:extLst>
+              <a:ext uri="{28A0092B-C50C-407E-A947-70E740481C1C}">
+                <a14:useLocalDpi xmlns:a14="http://schemas.microsoft.com/office/drawing/2010/main" val="0"/>
+              </a:ext>
+            </a:extLst>
+          </a:blip>
+          <a:stretch>
+            <a:fillRect/>
+          </a:stretch>
+        </p:blipFill>
+        <p:spPr>
+          <a:xfrm>
+            <a:off x="2738756" y="3810000"/>
+            <a:ext cx="2650172" cy="2133600"/>
+          </a:xfrm>
+          <a:prstGeom prst="rect">
+            <a:avLst/>
+          </a:prstGeom>
+        </p:spPr>
+      </p:pic>
+      <p:sp>
+        <p:nvSpPr>
+          <p:cNvPr id="7" name="Slide Number">
+            <a:extLst>
+              <a:ext uri="{FF2B5EF4-FFF2-40B4-BE49-F238E27FC236}">
+                <a16:creationId xmlns:a16="http://schemas.microsoft.com/office/drawing/2014/main" id="{00D46E41-276E-4253-9414-75D6E70D0F6A}"/>
+              </a:ext>
+            </a:extLst>
+          </p:cNvPr>
+          <p:cNvSpPr>
+            <a:spLocks noGrp="1"/>
+          </p:cNvSpPr>
+          <p:nvPr>
+            <p:ph type="sldNum" sz="quarter" idx="5"/>
+          </p:nvPr>
+        </p:nvSpPr>
+        <p:spPr>
+          <a:xfrm>
+            <a:off x="11753030" y="6507000"/>
+            <a:ext cx="367414" cy="297000"/>
+          </a:xfrm>
+          <a:prstGeom prst="rect">
+            <a:avLst/>
+          </a:prstGeom>
+        </p:spPr>
+        <p:txBody>
+          <a:bodyPr vert="horz" lIns="91440" tIns="45720" rIns="91440" bIns="45720" rtlCol="0" anchor="b"/>
+          <a:lstStyle>
+            <a:lvl1pPr algn="r">
+              <a:defRPr sz="1000"/>
+            </a:lvl1pPr>
+          </a:lstStyle>
+          <a:p>
+            <a:fld id="{2BF067CD-8E6B-4360-9AA8-C5DF2A48A6D1}" type="slidenum">
+              <a:rPr lang="en-US" noProof="0" smtClean="0"/>
+              <a:pPr/>
+              <a:t>20</a:t>
+            </a:fld>
+            <a:endParaRPr lang="en-US" noProof="0" dirty="0"/>
+          </a:p>
+        </p:txBody>
+      </p:sp>
+    </p:spTree>
+    <p:extLst>
+      <p:ext uri="{BB962C8B-B14F-4D97-AF65-F5344CB8AC3E}">
+        <p14:creationId xmlns:p14="http://schemas.microsoft.com/office/powerpoint/2010/main" val="1186066345"/>
+      </p:ext>
+    </p:extLst>
+  </p:cSld>
+  <p:clrMapOvr>
+    <a:masterClrMapping/>
+  </p:clrMapOvr>
+  <mc:AlternateContent xmlns:mc="http://schemas.openxmlformats.org/markup-compatibility/2006" xmlns:p14="http://schemas.microsoft.com/office/powerpoint/2010/main">
+    <mc:Choice Requires="p14">
+      <p:transition spd="slow" p14:dur="2000" advClick="0" advTm="5000"/>
+    </mc:Choice>
+    <mc:Fallback xmlns="">
+      <p:transition spd="slow" advClick="0" advTm="5000"/>
+    </mc:Fallback>
+  </mc:AlternateContent>
+</p:sld>
+</file>
+
+<file path=ppt/slides/slide21.xml><?xml version="1.0" encoding="utf-8"?>
+<p:sld xmlns:a="http://schemas.openxmlformats.org/drawingml/2006/main" xmlns:r="http://schemas.openxmlformats.org/officeDocument/2006/relationships" xmlns:p="http://schemas.openxmlformats.org/presentationml/2006/main">
+  <p:cSld>
+    <p:spTree>
+      <p:nvGrpSpPr>
+        <p:cNvPr id="1" name=""/>
+        <p:cNvGrpSpPr/>
+        <p:nvPr/>
+      </p:nvGrpSpPr>
+      <p:grpSpPr>
+        <a:xfrm>
+          <a:off x="0" y="0"/>
+          <a:ext cx="0" cy="0"/>
+          <a:chOff x="0" y="0"/>
+          <a:chExt cx="0" cy="0"/>
+        </a:xfrm>
+      </p:grpSpPr>
+      <p:sp>
+        <p:nvSpPr>
+          <p:cNvPr id="3" name="Content Placeholder 2"/>
+          <p:cNvSpPr>
+            <a:spLocks noGrp="1"/>
+          </p:cNvSpPr>
+          <p:nvPr>
+            <p:ph type="body" sz="quarter" idx="10"/>
+          </p:nvPr>
+        </p:nvSpPr>
+        <p:spPr/>
+        <p:txBody>
+          <a:bodyPr/>
+          <a:lstStyle/>
+          <a:p>
             <a:pPr>
               <a:lnSpc>
                 <a:spcPct val="110000"/>
@@ -17936,7 +18789,7 @@
             <a:fld id="{2BF067CD-8E6B-4360-9AA8-C5DF2A48A6D1}" type="slidenum">
               <a:rPr lang="en-US" noProof="0" smtClean="0"/>
               <a:pPr/>
-              <a:t>20</a:t>
+              <a:t>21</a:t>
             </a:fld>
             <a:endParaRPr lang="en-US" noProof="0" dirty="0"/>
           </a:p>
@@ -17963,7 +18816,7 @@
 </p:sld>
 </file>
 
-<file path=ppt/slides/slide21.xml><?xml version="1.0" encoding="utf-8"?>
+<file path=ppt/slides/slide22.xml><?xml version="1.0" encoding="utf-8"?>
 <p:sld xmlns:a="http://schemas.openxmlformats.org/drawingml/2006/main" xmlns:r="http://schemas.openxmlformats.org/officeDocument/2006/relationships" xmlns:p="http://schemas.openxmlformats.org/presentationml/2006/main">
   <p:cSld>
     <p:spTree>
@@ -18249,7 +19102,7 @@
             <a:fld id="{2BF067CD-8E6B-4360-9AA8-C5DF2A48A6D1}" type="slidenum">
               <a:rPr lang="en-US" noProof="0" smtClean="0"/>
               <a:pPr/>
-              <a:t>21</a:t>
+              <a:t>22</a:t>
             </a:fld>
             <a:endParaRPr lang="en-US" noProof="0" dirty="0"/>
           </a:p>
@@ -18502,7 +19355,7 @@
 </p:sld>
 </file>
 
-<file path=ppt/slides/slide22.xml><?xml version="1.0" encoding="utf-8"?>
+<file path=ppt/slides/slide23.xml><?xml version="1.0" encoding="utf-8"?>
 <p:sld xmlns:a="http://schemas.openxmlformats.org/drawingml/2006/main" xmlns:r="http://schemas.openxmlformats.org/officeDocument/2006/relationships" xmlns:p="http://schemas.openxmlformats.org/presentationml/2006/main">
   <p:cSld>
     <p:spTree>
@@ -18781,7 +19634,7 @@
             <a:fld id="{2BF067CD-8E6B-4360-9AA8-C5DF2A48A6D1}" type="slidenum">
               <a:rPr lang="en-US" smtClean="0"/>
               <a:pPr/>
-              <a:t>22</a:t>
+              <a:t>23</a:t>
             </a:fld>
             <a:endParaRPr lang="en-US" dirty="0"/>
           </a:p>
@@ -18808,7 +19661,7 @@
 </p:sld>
 </file>
 
-<file path=ppt/slides/slide23.xml><?xml version="1.0" encoding="utf-8"?>
+<file path=ppt/slides/slide24.xml><?xml version="1.0" encoding="utf-8"?>
 <p:sld xmlns:a="http://schemas.openxmlformats.org/drawingml/2006/main" xmlns:r="http://schemas.openxmlformats.org/officeDocument/2006/relationships" xmlns:p="http://schemas.openxmlformats.org/presentationml/2006/main">
   <p:cSld>
     <p:spTree>
@@ -19021,7 +19874,7 @@
             <a:fld id="{2BF067CD-8E6B-4360-9AA8-C5DF2A48A6D1}" type="slidenum">
               <a:rPr lang="en-US" noProof="0" smtClean="0"/>
               <a:pPr/>
-              <a:t>23</a:t>
+              <a:t>24</a:t>
             </a:fld>
             <a:endParaRPr lang="en-US" noProof="0" dirty="0"/>
           </a:p>
@@ -19658,7 +20511,7 @@
     </p:spTree>
     <p:extLst>
       <p:ext uri="{BB962C8B-B14F-4D97-AF65-F5344CB8AC3E}">
-        <p14:creationId xmlns:p14="http://schemas.microsoft.com/office/powerpoint/2010/main" val="475483888"/>
+        <p14:creationId xmlns:p14="http://schemas.microsoft.com/office/powerpoint/2010/main" val="3136981419"/>
       </p:ext>
     </p:extLst>
   </p:cSld>
@@ -19677,6 +20530,483 @@
 </file>
 
 <file path=ppt/slides/slide4.xml><?xml version="1.0" encoding="utf-8"?>
+<p:sld xmlns:a="http://schemas.openxmlformats.org/drawingml/2006/main" xmlns:r="http://schemas.openxmlformats.org/officeDocument/2006/relationships" xmlns:p="http://schemas.openxmlformats.org/presentationml/2006/main">
+  <p:cSld>
+    <p:spTree>
+      <p:nvGrpSpPr>
+        <p:cNvPr id="1" name=""/>
+        <p:cNvGrpSpPr/>
+        <p:nvPr/>
+      </p:nvGrpSpPr>
+      <p:grpSpPr>
+        <a:xfrm>
+          <a:off x="0" y="0"/>
+          <a:ext cx="0" cy="0"/>
+          <a:chOff x="0" y="0"/>
+          <a:chExt cx="0" cy="0"/>
+        </a:xfrm>
+      </p:grpSpPr>
+      <p:sp>
+        <p:nvSpPr>
+          <p:cNvPr id="2" name="Slide Number Placeholder 1">
+            <a:extLst>
+              <a:ext uri="{FF2B5EF4-FFF2-40B4-BE49-F238E27FC236}">
+                <a16:creationId xmlns:a16="http://schemas.microsoft.com/office/drawing/2014/main" id="{FB0D5FB3-68F2-49D8-A153-8BAD1305EF08}"/>
+              </a:ext>
+            </a:extLst>
+          </p:cNvPr>
+          <p:cNvSpPr>
+            <a:spLocks noGrp="1"/>
+          </p:cNvSpPr>
+          <p:nvPr>
+            <p:ph type="sldNum" sz="quarter" idx="5"/>
+          </p:nvPr>
+        </p:nvSpPr>
+        <p:spPr/>
+        <p:txBody>
+          <a:bodyPr/>
+          <a:lstStyle/>
+          <a:p>
+            <a:fld id="{2BF067CD-8E6B-4360-9AA8-C5DF2A48A6D1}" type="slidenum">
+              <a:rPr lang="en-US" noProof="0" smtClean="0"/>
+              <a:pPr/>
+              <a:t>4</a:t>
+            </a:fld>
+            <a:endParaRPr lang="en-US" noProof="0" dirty="0"/>
+          </a:p>
+        </p:txBody>
+      </p:sp>
+      <p:sp>
+        <p:nvSpPr>
+          <p:cNvPr id="4" name="Title 3">
+            <a:extLst>
+              <a:ext uri="{FF2B5EF4-FFF2-40B4-BE49-F238E27FC236}">
+                <a16:creationId xmlns:a16="http://schemas.microsoft.com/office/drawing/2014/main" id="{DE22D599-06AA-45AE-9605-321A51F18F4E}"/>
+              </a:ext>
+            </a:extLst>
+          </p:cNvPr>
+          <p:cNvSpPr>
+            <a:spLocks noGrp="1"/>
+          </p:cNvSpPr>
+          <p:nvPr>
+            <p:ph type="title"/>
+          </p:nvPr>
+        </p:nvSpPr>
+        <p:spPr/>
+        <p:txBody>
+          <a:bodyPr/>
+          <a:lstStyle/>
+          <a:p>
+            <a:r>
+              <a:rPr lang="en-US" dirty="0"/>
+              <a:t>Educational Partners</a:t>
+            </a:r>
+          </a:p>
+        </p:txBody>
+      </p:sp>
+      <p:grpSp>
+        <p:nvGrpSpPr>
+          <p:cNvPr id="5" name="Group 4">
+            <a:extLst>
+              <a:ext uri="{FF2B5EF4-FFF2-40B4-BE49-F238E27FC236}">
+                <a16:creationId xmlns:a16="http://schemas.microsoft.com/office/drawing/2014/main" id="{6AF0F47A-D5A2-4B58-86D3-231F6505307D}"/>
+              </a:ext>
+            </a:extLst>
+          </p:cNvPr>
+          <p:cNvGrpSpPr/>
+          <p:nvPr/>
+        </p:nvGrpSpPr>
+        <p:grpSpPr>
+          <a:xfrm>
+            <a:off x="786000" y="1764000"/>
+            <a:ext cx="5037446" cy="1395000"/>
+            <a:chOff x="3081000" y="1921500"/>
+            <a:chExt cx="4950000" cy="1395000"/>
+          </a:xfrm>
+        </p:grpSpPr>
+        <p:sp>
+          <p:nvSpPr>
+            <p:cNvPr id="6" name="Rectangle: Rounded Corners 5">
+              <a:extLst>
+                <a:ext uri="{FF2B5EF4-FFF2-40B4-BE49-F238E27FC236}">
+                  <a16:creationId xmlns:a16="http://schemas.microsoft.com/office/drawing/2014/main" id="{CF57B284-4FEE-41B6-B60C-8DED6CE13211}"/>
+                </a:ext>
+              </a:extLst>
+            </p:cNvPr>
+            <p:cNvSpPr/>
+            <p:nvPr/>
+          </p:nvSpPr>
+          <p:spPr bwMode="auto">
+            <a:xfrm>
+              <a:off x="3081000" y="1921500"/>
+              <a:ext cx="4950000" cy="1395000"/>
+            </a:xfrm>
+            <a:prstGeom prst="roundRect">
+              <a:avLst/>
+            </a:prstGeom>
+            <a:solidFill>
+              <a:schemeClr val="bg2"/>
+            </a:solidFill>
+            <a:ln w="19050">
+              <a:solidFill>
+                <a:schemeClr val="tx1"/>
+              </a:solidFill>
+            </a:ln>
+          </p:spPr>
+          <p:style>
+            <a:lnRef idx="0">
+              <a:scrgbClr r="0" g="0" b="0"/>
+            </a:lnRef>
+            <a:fillRef idx="0">
+              <a:scrgbClr r="0" g="0" b="0"/>
+            </a:fillRef>
+            <a:effectRef idx="0">
+              <a:scrgbClr r="0" g="0" b="0"/>
+            </a:effectRef>
+            <a:fontRef idx="minor">
+              <a:schemeClr val="dk1"/>
+            </a:fontRef>
+          </p:style>
+          <p:txBody>
+            <a:bodyPr rot="0" spcFirstLastPara="0" vertOverflow="overflow" horzOverflow="overflow" vert="horz" wrap="square" lIns="91440" tIns="45720" rIns="91440" bIns="45720" numCol="1" spcCol="0" rtlCol="0" fromWordArt="0" anchor="ctr" anchorCtr="0" forceAA="0" compatLnSpc="1">
+              <a:prstTxWarp prst="textNoShape">
+                <a:avLst/>
+              </a:prstTxWarp>
+              <a:noAutofit/>
+            </a:bodyPr>
+            <a:lstStyle/>
+            <a:p>
+              <a:pPr algn="ctr"/>
+              <a:endParaRPr lang="en-US" sz="2800" b="1" dirty="0">
+                <a:ln w="38100">
+                  <a:solidFill>
+                    <a:schemeClr val="tx1"/>
+                  </a:solidFill>
+                </a:ln>
+                <a:solidFill>
+                  <a:srgbClr val="FFFFFF"/>
+                </a:solidFill>
+                <a:effectLst>
+                  <a:outerShdw blurRad="38100" dist="38100" dir="2700000" algn="tl">
+                    <a:srgbClr val="000000">
+                      <a:alpha val="43137"/>
+                    </a:srgbClr>
+                  </a:outerShdw>
+                </a:effectLst>
+              </a:endParaRPr>
+            </a:p>
+          </p:txBody>
+        </p:sp>
+        <p:pic>
+          <p:nvPicPr>
+            <p:cNvPr id="7" name="Picture 6">
+              <a:hlinkClick r:id="rId2"/>
+              <a:extLst>
+                <a:ext uri="{FF2B5EF4-FFF2-40B4-BE49-F238E27FC236}">
+                  <a16:creationId xmlns:a16="http://schemas.microsoft.com/office/drawing/2014/main" id="{69E679E8-FC9D-4497-AFC1-FB5389A83D91}"/>
+                </a:ext>
+              </a:extLst>
+            </p:cNvPr>
+            <p:cNvPicPr>
+              <a:picLocks noChangeAspect="1"/>
+            </p:cNvPicPr>
+            <p:nvPr/>
+          </p:nvPicPr>
+          <p:blipFill>
+            <a:blip r:embed="rId3" cstate="hqprint">
+              <a:extLst>
+                <a:ext uri="{28A0092B-C50C-407E-A947-70E740481C1C}">
+                  <a14:useLocalDpi xmlns:a14="http://schemas.microsoft.com/office/drawing/2010/main" val="0"/>
+                </a:ext>
+              </a:extLst>
+            </a:blip>
+            <a:stretch>
+              <a:fillRect/>
+            </a:stretch>
+          </p:blipFill>
+          <p:spPr>
+            <a:xfrm>
+              <a:off x="3239602" y="2034000"/>
+              <a:ext cx="4632796" cy="1170000"/>
+            </a:xfrm>
+            <a:prstGeom prst="rect">
+              <a:avLst/>
+            </a:prstGeom>
+          </p:spPr>
+        </p:pic>
+      </p:grpSp>
+      <p:grpSp>
+        <p:nvGrpSpPr>
+          <p:cNvPr id="8" name="Group 7">
+            <a:extLst>
+              <a:ext uri="{FF2B5EF4-FFF2-40B4-BE49-F238E27FC236}">
+                <a16:creationId xmlns:a16="http://schemas.microsoft.com/office/drawing/2014/main" id="{EAD6623B-F4E3-4F01-B3FF-057EC7FC1943}"/>
+              </a:ext>
+            </a:extLst>
+          </p:cNvPr>
+          <p:cNvGrpSpPr/>
+          <p:nvPr/>
+        </p:nvGrpSpPr>
+        <p:grpSpPr>
+          <a:xfrm>
+            <a:off x="786000" y="4239000"/>
+            <a:ext cx="5037446" cy="2083029"/>
+            <a:chOff x="5961000" y="3789000"/>
+            <a:chExt cx="4680431" cy="2083029"/>
+          </a:xfrm>
+        </p:grpSpPr>
+        <p:pic>
+          <p:nvPicPr>
+            <p:cNvPr id="9" name="Picture 8">
+              <a:hlinkClick r:id="rId4"/>
+              <a:extLst>
+                <a:ext uri="{FF2B5EF4-FFF2-40B4-BE49-F238E27FC236}">
+                  <a16:creationId xmlns:a16="http://schemas.microsoft.com/office/drawing/2014/main" id="{A102DB16-6761-4764-BC07-B36931CA12C2}"/>
+                </a:ext>
+              </a:extLst>
+            </p:cNvPr>
+            <p:cNvPicPr>
+              <a:picLocks noChangeAspect="1"/>
+            </p:cNvPicPr>
+            <p:nvPr/>
+          </p:nvPicPr>
+          <p:blipFill>
+            <a:blip r:embed="rId5"/>
+            <a:stretch>
+              <a:fillRect/>
+            </a:stretch>
+          </p:blipFill>
+          <p:spPr>
+            <a:xfrm>
+              <a:off x="5961000" y="3789000"/>
+              <a:ext cx="4680431" cy="2083029"/>
+            </a:xfrm>
+            <a:prstGeom prst="rect">
+              <a:avLst/>
+            </a:prstGeom>
+          </p:spPr>
+        </p:pic>
+        <p:sp>
+          <p:nvSpPr>
+            <p:cNvPr id="10" name="Rectangle: Rounded Corners 9">
+              <a:extLst>
+                <a:ext uri="{FF2B5EF4-FFF2-40B4-BE49-F238E27FC236}">
+                  <a16:creationId xmlns:a16="http://schemas.microsoft.com/office/drawing/2014/main" id="{B6B90379-E1AB-4035-8EFE-3131B5C65328}"/>
+                </a:ext>
+              </a:extLst>
+            </p:cNvPr>
+            <p:cNvSpPr/>
+            <p:nvPr/>
+          </p:nvSpPr>
+          <p:spPr bwMode="auto">
+            <a:xfrm>
+              <a:off x="5961000" y="3789000"/>
+              <a:ext cx="4680000" cy="2070000"/>
+            </a:xfrm>
+            <a:prstGeom prst="roundRect">
+              <a:avLst/>
+            </a:prstGeom>
+            <a:noFill/>
+            <a:ln w="12700">
+              <a:solidFill>
+                <a:schemeClr val="accent6">
+                  <a:lumMod val="10000"/>
+                </a:schemeClr>
+              </a:solidFill>
+            </a:ln>
+          </p:spPr>
+          <p:style>
+            <a:lnRef idx="0">
+              <a:scrgbClr r="0" g="0" b="0"/>
+            </a:lnRef>
+            <a:fillRef idx="0">
+              <a:scrgbClr r="0" g="0" b="0"/>
+            </a:fillRef>
+            <a:effectRef idx="0">
+              <a:scrgbClr r="0" g="0" b="0"/>
+            </a:effectRef>
+            <a:fontRef idx="minor">
+              <a:schemeClr val="dk1"/>
+            </a:fontRef>
+          </p:style>
+          <p:txBody>
+            <a:bodyPr rot="0" spcFirstLastPara="0" vertOverflow="overflow" horzOverflow="overflow" vert="horz" wrap="square" lIns="91440" tIns="45720" rIns="91440" bIns="45720" numCol="1" spcCol="0" rtlCol="0" fromWordArt="0" anchor="ctr" anchorCtr="0" forceAA="0" compatLnSpc="1">
+              <a:prstTxWarp prst="textNoShape">
+                <a:avLst/>
+              </a:prstTxWarp>
+              <a:noAutofit/>
+            </a:bodyPr>
+            <a:lstStyle/>
+            <a:p>
+              <a:pPr algn="ctr"/>
+              <a:endParaRPr lang="en-US" sz="2800" b="1" dirty="0">
+                <a:ln w="38100">
+                  <a:solidFill>
+                    <a:schemeClr val="tx1"/>
+                  </a:solidFill>
+                </a:ln>
+                <a:solidFill>
+                  <a:srgbClr val="FFFFFF"/>
+                </a:solidFill>
+                <a:effectLst>
+                  <a:outerShdw blurRad="38100" dist="38100" dir="2700000" algn="tl">
+                    <a:srgbClr val="000000">
+                      <a:alpha val="43137"/>
+                    </a:srgbClr>
+                  </a:outerShdw>
+                </a:effectLst>
+              </a:endParaRPr>
+            </a:p>
+          </p:txBody>
+        </p:sp>
+      </p:grpSp>
+      <p:grpSp>
+        <p:nvGrpSpPr>
+          <p:cNvPr id="15" name="Group 14">
+            <a:extLst>
+              <a:ext uri="{FF2B5EF4-FFF2-40B4-BE49-F238E27FC236}">
+                <a16:creationId xmlns:a16="http://schemas.microsoft.com/office/drawing/2014/main" id="{32480B9A-F55F-41E5-97E2-8DF2421AADCE}"/>
+              </a:ext>
+            </a:extLst>
+          </p:cNvPr>
+          <p:cNvGrpSpPr/>
+          <p:nvPr/>
+        </p:nvGrpSpPr>
+        <p:grpSpPr>
+          <a:xfrm>
+            <a:off x="7131000" y="2034000"/>
+            <a:ext cx="4113596" cy="3753000"/>
+            <a:chOff x="7131000" y="2169000"/>
+            <a:chExt cx="4113596" cy="3753000"/>
+          </a:xfrm>
+        </p:grpSpPr>
+        <p:sp>
+          <p:nvSpPr>
+            <p:cNvPr id="14" name="Rectangle: Rounded Corners 13">
+              <a:extLst>
+                <a:ext uri="{FF2B5EF4-FFF2-40B4-BE49-F238E27FC236}">
+                  <a16:creationId xmlns:a16="http://schemas.microsoft.com/office/drawing/2014/main" id="{948BF3FF-FC23-42AF-80BB-6EF6A2E7D2DE}"/>
+                </a:ext>
+              </a:extLst>
+            </p:cNvPr>
+            <p:cNvSpPr/>
+            <p:nvPr/>
+          </p:nvSpPr>
+          <p:spPr bwMode="auto">
+            <a:xfrm>
+              <a:off x="7131000" y="2934000"/>
+              <a:ext cx="4113596" cy="2160000"/>
+            </a:xfrm>
+            <a:prstGeom prst="roundRect">
+              <a:avLst/>
+            </a:prstGeom>
+            <a:solidFill>
+              <a:schemeClr val="bg2"/>
+            </a:solidFill>
+            <a:ln w="19050">
+              <a:solidFill>
+                <a:schemeClr val="tx1"/>
+              </a:solidFill>
+            </a:ln>
+          </p:spPr>
+          <p:style>
+            <a:lnRef idx="0">
+              <a:scrgbClr r="0" g="0" b="0"/>
+            </a:lnRef>
+            <a:fillRef idx="0">
+              <a:scrgbClr r="0" g="0" b="0"/>
+            </a:fillRef>
+            <a:effectRef idx="0">
+              <a:scrgbClr r="0" g="0" b="0"/>
+            </a:effectRef>
+            <a:fontRef idx="minor">
+              <a:schemeClr val="dk1"/>
+            </a:fontRef>
+          </p:style>
+          <p:txBody>
+            <a:bodyPr rot="0" spcFirstLastPara="0" vertOverflow="overflow" horzOverflow="overflow" vert="horz" wrap="square" lIns="91440" tIns="45720" rIns="91440" bIns="45720" numCol="1" spcCol="0" rtlCol="0" fromWordArt="0" anchor="ctr" anchorCtr="0" forceAA="0" compatLnSpc="1">
+              <a:prstTxWarp prst="textNoShape">
+                <a:avLst/>
+              </a:prstTxWarp>
+              <a:noAutofit/>
+            </a:bodyPr>
+            <a:lstStyle/>
+            <a:p>
+              <a:pPr algn="ctr"/>
+              <a:endParaRPr lang="en-US" sz="2800" b="1" dirty="0">
+                <a:solidFill>
+                  <a:srgbClr val="FFFFFF"/>
+                </a:solidFill>
+                <a:effectLst>
+                  <a:outerShdw blurRad="38100" dist="38100" dir="2700000" algn="tl">
+                    <a:srgbClr val="000000">
+                      <a:alpha val="43137"/>
+                    </a:srgbClr>
+                  </a:outerShdw>
+                </a:effectLst>
+              </a:endParaRPr>
+            </a:p>
+          </p:txBody>
+        </p:sp>
+        <p:pic>
+          <p:nvPicPr>
+            <p:cNvPr id="13" name="Picture 12">
+              <a:extLst>
+                <a:ext uri="{FF2B5EF4-FFF2-40B4-BE49-F238E27FC236}">
+                  <a16:creationId xmlns:a16="http://schemas.microsoft.com/office/drawing/2014/main" id="{44F98D6B-A014-49DE-BFE5-4440AB6347BD}"/>
+                </a:ext>
+              </a:extLst>
+            </p:cNvPr>
+            <p:cNvPicPr>
+              <a:picLocks noChangeAspect="1"/>
+            </p:cNvPicPr>
+            <p:nvPr/>
+          </p:nvPicPr>
+          <p:blipFill>
+            <a:blip r:embed="rId6">
+              <a:extLst>
+                <a:ext uri="{28A0092B-C50C-407E-A947-70E740481C1C}">
+                  <a14:useLocalDpi xmlns:a14="http://schemas.microsoft.com/office/drawing/2010/main" val="0"/>
+                </a:ext>
+              </a:extLst>
+            </a:blip>
+            <a:stretch>
+              <a:fillRect/>
+            </a:stretch>
+          </p:blipFill>
+          <p:spPr>
+            <a:xfrm>
+              <a:off x="7311000" y="2169000"/>
+              <a:ext cx="3753000" cy="3753000"/>
+            </a:xfrm>
+            <a:prstGeom prst="rect">
+              <a:avLst/>
+            </a:prstGeom>
+          </p:spPr>
+        </p:pic>
+      </p:grpSp>
+    </p:spTree>
+    <p:extLst>
+      <p:ext uri="{BB962C8B-B14F-4D97-AF65-F5344CB8AC3E}">
+        <p14:creationId xmlns:p14="http://schemas.microsoft.com/office/powerpoint/2010/main" val="1742947432"/>
+      </p:ext>
+    </p:extLst>
+  </p:cSld>
+  <p:clrMapOvr>
+    <a:masterClrMapping/>
+  </p:clrMapOvr>
+  <mc:AlternateContent xmlns:mc="http://schemas.openxmlformats.org/markup-compatibility/2006" xmlns:p14="http://schemas.microsoft.com/office/powerpoint/2010/main">
+    <mc:Choice Requires="p14">
+      <p:transition spd="slow" p14:dur="2000" advClick="0" advTm="5000"/>
+    </mc:Choice>
+    <mc:Fallback xmlns="">
+      <p:transition spd="slow" advClick="0" advTm="5000"/>
+    </mc:Fallback>
+  </mc:AlternateContent>
+</p:sld>
+</file>
+
+<file path=ppt/slides/slide5.xml><?xml version="1.0" encoding="utf-8"?>
 <p:sld xmlns:a="http://schemas.openxmlformats.org/drawingml/2006/main" xmlns:r="http://schemas.openxmlformats.org/officeDocument/2006/relationships" xmlns:p="http://schemas.openxmlformats.org/presentationml/2006/main">
   <p:cSld>
     <p:spTree>
@@ -19772,7 +21102,7 @@
 </p:sld>
 </file>
 
-<file path=ppt/slides/slide5.xml><?xml version="1.0" encoding="utf-8"?>
+<file path=ppt/slides/slide6.xml><?xml version="1.0" encoding="utf-8"?>
 <p:sld xmlns:a="http://schemas.openxmlformats.org/drawingml/2006/main" xmlns:r="http://schemas.openxmlformats.org/officeDocument/2006/relationships" xmlns:p="http://schemas.openxmlformats.org/presentationml/2006/main">
   <p:cSld>
     <p:spTree>
@@ -19912,7 +21242,7 @@
             <a:fld id="{2BF067CD-8E6B-4360-9AA8-C5DF2A48A6D1}" type="slidenum">
               <a:rPr lang="en-US" noProof="0" smtClean="0"/>
               <a:pPr/>
-              <a:t>5</a:t>
+              <a:t>6</a:t>
             </a:fld>
             <a:endParaRPr lang="en-US" noProof="0" dirty="0"/>
           </a:p>
@@ -20214,7 +21544,7 @@
 </p:sld>
 </file>
 
-<file path=ppt/slides/slide6.xml><?xml version="1.0" encoding="utf-8"?>
+<file path=ppt/slides/slide7.xml><?xml version="1.0" encoding="utf-8"?>
 <p:sld xmlns:a="http://schemas.openxmlformats.org/drawingml/2006/main" xmlns:r="http://schemas.openxmlformats.org/officeDocument/2006/relationships" xmlns:p="http://schemas.openxmlformats.org/presentationml/2006/main">
   <p:cSld>
     <p:spTree>
@@ -20563,7 +21893,7 @@
             <a:fld id="{2BF067CD-8E6B-4360-9AA8-C5DF2A48A6D1}" type="slidenum">
               <a:rPr lang="en-US" noProof="0" smtClean="0"/>
               <a:pPr/>
-              <a:t>6</a:t>
+              <a:t>7</a:t>
             </a:fld>
             <a:endParaRPr lang="en-US" noProof="0" dirty="0"/>
           </a:p>
@@ -21061,7 +22391,7 @@
 </p:sld>
 </file>
 
-<file path=ppt/slides/slide7.xml><?xml version="1.0" encoding="utf-8"?>
+<file path=ppt/slides/slide8.xml><?xml version="1.0" encoding="utf-8"?>
 <p:sld xmlns:a="http://schemas.openxmlformats.org/drawingml/2006/main" xmlns:r="http://schemas.openxmlformats.org/officeDocument/2006/relationships" xmlns:p="http://schemas.openxmlformats.org/presentationml/2006/main">
   <p:cSld>
     <p:spTree>
@@ -21174,7 +22504,7 @@
 </p:sld>
 </file>
 
-<file path=ppt/slides/slide8.xml><?xml version="1.0" encoding="utf-8"?>
+<file path=ppt/slides/slide9.xml><?xml version="1.0" encoding="utf-8"?>
 <p:sld xmlns:a="http://schemas.openxmlformats.org/drawingml/2006/main" xmlns:r="http://schemas.openxmlformats.org/officeDocument/2006/relationships" xmlns:p="http://schemas.openxmlformats.org/presentationml/2006/main">
   <p:cSld>
     <p:spTree>
@@ -21362,7 +22692,7 @@
             <a:fld id="{2BF067CD-8E6B-4360-9AA8-C5DF2A48A6D1}" type="slidenum">
               <a:rPr lang="en-US" noProof="0" smtClean="0"/>
               <a:pPr/>
-              <a:t>8</a:t>
+              <a:t>9</a:t>
             </a:fld>
             <a:endParaRPr lang="en-US" noProof="0" dirty="0"/>
           </a:p>
@@ -21570,678 +22900,6 @@
                                           <p:spTgt spid="2">
                                             <p:txEl>
                                               <p:pRg st="3" end="3"/>
-                                            </p:txEl>
-                                          </p:spTgt>
-                                        </p:tgtEl>
-                                        <p:attrNameLst>
-                                          <p:attrName>style.visibility</p:attrName>
-                                        </p:attrNameLst>
-                                      </p:cBhvr>
-                                      <p:to>
-                                        <p:strVal val="visible"/>
-                                      </p:to>
-                                    </p:set>
-                                  </p:childTnLst>
-                                </p:cTn>
-                              </p:par>
-                            </p:childTnLst>
-                          </p:cTn>
-                        </p:par>
-                      </p:childTnLst>
-                    </p:cTn>
-                  </p:par>
-                </p:childTnLst>
-              </p:cTn>
-              <p:prevCondLst>
-                <p:cond evt="onPrev" delay="0">
-                  <p:tgtEl>
-                    <p:sldTgt/>
-                  </p:tgtEl>
-                </p:cond>
-              </p:prevCondLst>
-              <p:nextCondLst>
-                <p:cond evt="onNext" delay="0">
-                  <p:tgtEl>
-                    <p:sldTgt/>
-                  </p:tgtEl>
-                </p:cond>
-              </p:nextCondLst>
-            </p:seq>
-          </p:childTnLst>
-        </p:cTn>
-      </p:par>
-    </p:tnLst>
-  </p:timing>
-</p:sld>
-</file>
-
-<file path=ppt/slides/slide9.xml><?xml version="1.0" encoding="utf-8"?>
-<p:sld xmlns:a="http://schemas.openxmlformats.org/drawingml/2006/main" xmlns:r="http://schemas.openxmlformats.org/officeDocument/2006/relationships" xmlns:p="http://schemas.openxmlformats.org/presentationml/2006/main">
-  <p:cSld>
-    <p:spTree>
-      <p:nvGrpSpPr>
-        <p:cNvPr id="1" name=""/>
-        <p:cNvGrpSpPr/>
-        <p:nvPr/>
-      </p:nvGrpSpPr>
-      <p:grpSpPr>
-        <a:xfrm>
-          <a:off x="0" y="0"/>
-          <a:ext cx="0" cy="0"/>
-          <a:chOff x="0" y="0"/>
-          <a:chExt cx="0" cy="0"/>
-        </a:xfrm>
-      </p:grpSpPr>
-      <p:sp>
-        <p:nvSpPr>
-          <p:cNvPr id="5" name="Content Placeholder 4"/>
-          <p:cNvSpPr>
-            <a:spLocks noGrp="1"/>
-          </p:cNvSpPr>
-          <p:nvPr>
-            <p:ph type="body" sz="quarter" idx="10"/>
-          </p:nvPr>
-        </p:nvSpPr>
-        <p:spPr>
-          <a:xfrm>
-            <a:off x="297666" y="1572823"/>
-            <a:ext cx="7216989" cy="4826400"/>
-          </a:xfrm>
-        </p:spPr>
-        <p:txBody>
-          <a:bodyPr>
-            <a:normAutofit/>
-          </a:bodyPr>
-          <a:lstStyle/>
-          <a:p>
-            <a:pPr marL="157056" lvl="1" indent="-304747">
-              <a:lnSpc>
-                <a:spcPct val="100000"/>
-              </a:lnSpc>
-              <a:buClr>
-                <a:schemeClr val="tx1"/>
-              </a:buClr>
-              <a:buSzPct val="100000"/>
-            </a:pPr>
-            <a:r>
-              <a:rPr lang="en-US" sz="3600" dirty="0"/>
-              <a:t>Java Developer @SAP</a:t>
-            </a:r>
-            <a:endParaRPr lang="bg-BG" sz="3600" dirty="0"/>
-          </a:p>
-          <a:p>
-            <a:pPr marL="157056" lvl="1" indent="-304747">
-              <a:lnSpc>
-                <a:spcPct val="100000"/>
-              </a:lnSpc>
-              <a:buClr>
-                <a:schemeClr val="tx1"/>
-              </a:buClr>
-              <a:buSzPct val="100000"/>
-            </a:pPr>
-            <a:r>
-              <a:rPr lang="en-US" sz="3600" dirty="0"/>
-              <a:t>Ex-competitor in Mathematics</a:t>
-            </a:r>
-          </a:p>
-          <a:p>
-            <a:pPr marL="157056" lvl="1" indent="-304747">
-              <a:lnSpc>
-                <a:spcPct val="100000"/>
-              </a:lnSpc>
-              <a:buClr>
-                <a:schemeClr val="tx1"/>
-              </a:buClr>
-              <a:buSzPct val="100000"/>
-            </a:pPr>
-            <a:r>
-              <a:rPr lang="en-US" sz="3600" noProof="1"/>
-              <a:t>Technical Trainer @SoftUni</a:t>
-            </a:r>
-          </a:p>
-          <a:p>
-            <a:pPr marL="157056" lvl="1" indent="-304747">
-              <a:lnSpc>
-                <a:spcPct val="100000"/>
-              </a:lnSpc>
-              <a:buClr>
-                <a:schemeClr val="tx1"/>
-              </a:buClr>
-              <a:buSzPct val="100000"/>
-            </a:pPr>
-            <a:r>
-              <a:rPr lang="en-US" sz="3600" noProof="1"/>
-              <a:t>Programming Basics Team Lead</a:t>
-            </a:r>
-          </a:p>
-          <a:p>
-            <a:pPr marL="157056" lvl="1" indent="-304747">
-              <a:lnSpc>
-                <a:spcPct val="100000"/>
-              </a:lnSpc>
-              <a:buClr>
-                <a:schemeClr val="tx1"/>
-              </a:buClr>
-              <a:buSzPct val="100000"/>
-            </a:pPr>
-            <a:r>
-              <a:rPr lang="en-US" sz="3600" noProof="1"/>
-              <a:t>Content Development Team Lead</a:t>
-            </a:r>
-          </a:p>
-        </p:txBody>
-      </p:sp>
-      <p:sp>
-        <p:nvSpPr>
-          <p:cNvPr id="4" name="Title 3"/>
-          <p:cNvSpPr>
-            <a:spLocks noGrp="1"/>
-          </p:cNvSpPr>
-          <p:nvPr>
-            <p:ph type="title"/>
-          </p:nvPr>
-        </p:nvSpPr>
-        <p:spPr/>
-        <p:txBody>
-          <a:bodyPr/>
-          <a:lstStyle/>
-          <a:p>
-            <a:r>
-              <a:rPr lang="en-US" dirty="0" err="1"/>
-              <a:t>Desislava</a:t>
-            </a:r>
-            <a:r>
-              <a:rPr lang="en-US" dirty="0"/>
-              <a:t> </a:t>
-            </a:r>
-            <a:r>
-              <a:rPr lang="en-US" dirty="0" err="1"/>
-              <a:t>Topuzakova</a:t>
-            </a:r>
-            <a:endParaRPr lang="en-US" dirty="0"/>
-          </a:p>
-        </p:txBody>
-      </p:sp>
-      <p:sp>
-        <p:nvSpPr>
-          <p:cNvPr id="7" name="Slide Number Placeholder 3"/>
-          <p:cNvSpPr>
-            <a:spLocks noGrp="1"/>
-          </p:cNvSpPr>
-          <p:nvPr>
-            <p:ph type="sldNum" sz="quarter" idx="4294967295"/>
-          </p:nvPr>
-        </p:nvSpPr>
-        <p:spPr>
-          <a:xfrm>
-            <a:off x="11563400" y="6397195"/>
-            <a:ext cx="428710" cy="308845"/>
-          </a:xfrm>
-          <a:prstGeom prst="rect">
-            <a:avLst/>
-          </a:prstGeom>
-        </p:spPr>
-        <p:txBody>
-          <a:bodyPr vert="horz" lIns="36000" tIns="36000" rIns="36000" bIns="36000" rtlCol="0" anchor="ctr"/>
-          <a:lstStyle>
-            <a:defPPr>
-              <a:defRPr lang="en-US"/>
-            </a:defPPr>
-            <a:lvl1pPr marL="0" algn="r" defTabSz="914400" rtl="0" eaLnBrk="1" latinLnBrk="0" hangingPunct="1">
-              <a:defRPr sz="1000" kern="1200">
-                <a:solidFill>
-                  <a:schemeClr val="tx1"/>
-                </a:solidFill>
-                <a:latin typeface="+mn-lt"/>
-                <a:ea typeface="+mn-ea"/>
-                <a:cs typeface="+mn-cs"/>
-              </a:defRPr>
-            </a:lvl1pPr>
-            <a:lvl2pPr marL="457200" algn="l" defTabSz="914400" rtl="0" eaLnBrk="1" latinLnBrk="0" hangingPunct="1">
-              <a:defRPr sz="1800" kern="1200">
-                <a:solidFill>
-                  <a:schemeClr val="tx1"/>
-                </a:solidFill>
-                <a:latin typeface="+mn-lt"/>
-                <a:ea typeface="+mn-ea"/>
-                <a:cs typeface="+mn-cs"/>
-              </a:defRPr>
-            </a:lvl2pPr>
-            <a:lvl3pPr marL="914400" algn="l" defTabSz="914400" rtl="0" eaLnBrk="1" latinLnBrk="0" hangingPunct="1">
-              <a:defRPr sz="1800" kern="1200">
-                <a:solidFill>
-                  <a:schemeClr val="tx1"/>
-                </a:solidFill>
-                <a:latin typeface="+mn-lt"/>
-                <a:ea typeface="+mn-ea"/>
-                <a:cs typeface="+mn-cs"/>
-              </a:defRPr>
-            </a:lvl3pPr>
-            <a:lvl4pPr marL="1371600" algn="l" defTabSz="914400" rtl="0" eaLnBrk="1" latinLnBrk="0" hangingPunct="1">
-              <a:defRPr sz="1800" kern="1200">
-                <a:solidFill>
-                  <a:schemeClr val="tx1"/>
-                </a:solidFill>
-                <a:latin typeface="+mn-lt"/>
-                <a:ea typeface="+mn-ea"/>
-                <a:cs typeface="+mn-cs"/>
-              </a:defRPr>
-            </a:lvl4pPr>
-            <a:lvl5pPr marL="1828800" algn="l" defTabSz="914400" rtl="0" eaLnBrk="1" latinLnBrk="0" hangingPunct="1">
-              <a:defRPr sz="1800" kern="1200">
-                <a:solidFill>
-                  <a:schemeClr val="tx1"/>
-                </a:solidFill>
-                <a:latin typeface="+mn-lt"/>
-                <a:ea typeface="+mn-ea"/>
-                <a:cs typeface="+mn-cs"/>
-              </a:defRPr>
-            </a:lvl5pPr>
-            <a:lvl6pPr marL="2286000" algn="l" defTabSz="914400" rtl="0" eaLnBrk="1" latinLnBrk="0" hangingPunct="1">
-              <a:defRPr sz="1800" kern="1200">
-                <a:solidFill>
-                  <a:schemeClr val="tx1"/>
-                </a:solidFill>
-                <a:latin typeface="+mn-lt"/>
-                <a:ea typeface="+mn-ea"/>
-                <a:cs typeface="+mn-cs"/>
-              </a:defRPr>
-            </a:lvl6pPr>
-            <a:lvl7pPr marL="2743200" algn="l" defTabSz="914400" rtl="0" eaLnBrk="1" latinLnBrk="0" hangingPunct="1">
-              <a:defRPr sz="1800" kern="1200">
-                <a:solidFill>
-                  <a:schemeClr val="tx1"/>
-                </a:solidFill>
-                <a:latin typeface="+mn-lt"/>
-                <a:ea typeface="+mn-ea"/>
-                <a:cs typeface="+mn-cs"/>
-              </a:defRPr>
-            </a:lvl7pPr>
-            <a:lvl8pPr marL="3200400" algn="l" defTabSz="914400" rtl="0" eaLnBrk="1" latinLnBrk="0" hangingPunct="1">
-              <a:defRPr sz="1800" kern="1200">
-                <a:solidFill>
-                  <a:schemeClr val="tx1"/>
-                </a:solidFill>
-                <a:latin typeface="+mn-lt"/>
-                <a:ea typeface="+mn-ea"/>
-                <a:cs typeface="+mn-cs"/>
-              </a:defRPr>
-            </a:lvl8pPr>
-            <a:lvl9pPr marL="3657600" algn="l" defTabSz="914400" rtl="0" eaLnBrk="1" latinLnBrk="0" hangingPunct="1">
-              <a:defRPr sz="1800" kern="1200">
-                <a:solidFill>
-                  <a:schemeClr val="tx1"/>
-                </a:solidFill>
-                <a:latin typeface="+mn-lt"/>
-                <a:ea typeface="+mn-ea"/>
-                <a:cs typeface="+mn-cs"/>
-              </a:defRPr>
-            </a:lvl9pPr>
-          </a:lstStyle>
-          <a:p>
-            <a:pPr>
-              <a:defRPr/>
-            </a:pPr>
-            <a:fld id="{C014DD1E-5D91-48A3-AD6D-45FBA980D106}" type="slidenum">
-              <a:rPr lang="en-US" smtClean="0">
-                <a:solidFill>
-                  <a:prstClr val="white">
-                    <a:tint val="75000"/>
-                  </a:prstClr>
-                </a:solidFill>
-              </a:rPr>
-              <a:pPr>
-                <a:defRPr/>
-              </a:pPr>
-              <a:t>9</a:t>
-            </a:fld>
-            <a:endParaRPr lang="en-US">
-              <a:solidFill>
-                <a:prstClr val="white">
-                  <a:tint val="75000"/>
-                </a:prstClr>
-              </a:solidFill>
-            </a:endParaRPr>
-          </a:p>
-        </p:txBody>
-      </p:sp>
-      <p:sp>
-        <p:nvSpPr>
-          <p:cNvPr id="6" name="Slide Number">
-            <a:extLst>
-              <a:ext uri="{FF2B5EF4-FFF2-40B4-BE49-F238E27FC236}">
-                <a16:creationId xmlns:a16="http://schemas.microsoft.com/office/drawing/2014/main" id="{F92E40BC-EA78-46D8-A3BC-5AA7087D6243}"/>
-              </a:ext>
-            </a:extLst>
-          </p:cNvPr>
-          <p:cNvSpPr>
-            <a:spLocks noGrp="1"/>
-          </p:cNvSpPr>
-          <p:nvPr>
-            <p:ph type="sldNum" sz="quarter" idx="5"/>
-          </p:nvPr>
-        </p:nvSpPr>
-        <p:spPr>
-          <a:xfrm>
-            <a:off x="11753030" y="6507000"/>
-            <a:ext cx="367414" cy="297000"/>
-          </a:xfrm>
-          <a:prstGeom prst="rect">
-            <a:avLst/>
-          </a:prstGeom>
-        </p:spPr>
-        <p:txBody>
-          <a:bodyPr vert="horz" lIns="91440" tIns="45720" rIns="91440" bIns="45720" rtlCol="0" anchor="b"/>
-          <a:lstStyle>
-            <a:lvl1pPr algn="r">
-              <a:defRPr sz="1000"/>
-            </a:lvl1pPr>
-          </a:lstStyle>
-          <a:p>
-            <a:r>
-              <a:rPr lang="en-US" noProof="0" dirty="0"/>
-              <a:t>11</a:t>
-            </a:r>
-          </a:p>
-        </p:txBody>
-      </p:sp>
-      <p:pic>
-        <p:nvPicPr>
-          <p:cNvPr id="3" name="Picture 2"/>
-          <p:cNvPicPr>
-            <a:picLocks noChangeAspect="1"/>
-          </p:cNvPicPr>
-          <p:nvPr/>
-        </p:nvPicPr>
-        <p:blipFill>
-          <a:blip r:embed="rId3"/>
-          <a:stretch>
-            <a:fillRect/>
-          </a:stretch>
-        </p:blipFill>
-        <p:spPr>
-          <a:xfrm>
-            <a:off x="7761000" y="1584000"/>
-            <a:ext cx="3690000" cy="3690000"/>
-          </a:xfrm>
-          <a:prstGeom prst="rect">
-            <a:avLst/>
-          </a:prstGeom>
-          <a:ln>
-            <a:noFill/>
-          </a:ln>
-          <a:effectLst>
-            <a:outerShdw blurRad="107950" dist="12700" dir="5400000" algn="ctr">
-              <a:srgbClr val="000000"/>
-            </a:outerShdw>
-          </a:effectLst>
-          <a:scene3d>
-            <a:camera prst="orthographicFront">
-              <a:rot lat="0" lon="0" rev="0"/>
-            </a:camera>
-            <a:lightRig rig="soft" dir="t">
-              <a:rot lat="0" lon="0" rev="0"/>
-            </a:lightRig>
-          </a:scene3d>
-          <a:sp3d contourW="44450" prstMaterial="matte">
-            <a:bevelT w="63500" h="63500" prst="artDeco"/>
-            <a:contourClr>
-              <a:srgbClr val="FFFFFF"/>
-            </a:contourClr>
-          </a:sp3d>
-        </p:spPr>
-      </p:pic>
-    </p:spTree>
-    <p:extLst>
-      <p:ext uri="{BB962C8B-B14F-4D97-AF65-F5344CB8AC3E}">
-        <p14:creationId xmlns:p14="http://schemas.microsoft.com/office/powerpoint/2010/main" val="2067605679"/>
-      </p:ext>
-    </p:extLst>
-  </p:cSld>
-  <p:clrMapOvr>
-    <a:masterClrMapping/>
-  </p:clrMapOvr>
-  <mc:AlternateContent xmlns:mc="http://schemas.openxmlformats.org/markup-compatibility/2006" xmlns:p14="http://schemas.microsoft.com/office/powerpoint/2010/main">
-    <mc:Choice Requires="p14">
-      <p:transition spd="slow" p14:dur="2000" advClick="0" advTm="5000"/>
-    </mc:Choice>
-    <mc:Fallback xmlns="">
-      <p:transition spd="slow" advClick="0" advTm="5000"/>
-    </mc:Fallback>
-  </mc:AlternateContent>
-  <p:timing>
-    <p:tnLst>
-      <p:par>
-        <p:cTn id="1" dur="indefinite" restart="never" nodeType="tmRoot">
-          <p:childTnLst>
-            <p:seq concurrent="1" nextAc="seek">
-              <p:cTn id="2" dur="indefinite" nodeType="mainSeq">
-                <p:childTnLst>
-                  <p:par>
-                    <p:cTn id="3" fill="hold">
-                      <p:stCondLst>
-                        <p:cond delay="indefinite"/>
-                      </p:stCondLst>
-                      <p:childTnLst>
-                        <p:par>
-                          <p:cTn id="4" fill="hold">
-                            <p:stCondLst>
-                              <p:cond delay="0"/>
-                            </p:stCondLst>
-                            <p:childTnLst>
-                              <p:par>
-                                <p:cTn id="5" presetID="1" presetClass="entr" presetSubtype="0" fill="hold" nodeType="clickEffect">
-                                  <p:stCondLst>
-                                    <p:cond delay="0"/>
-                                  </p:stCondLst>
-                                  <p:childTnLst>
-                                    <p:set>
-                                      <p:cBhvr>
-                                        <p:cTn id="6" dur="1" fill="hold">
-                                          <p:stCondLst>
-                                            <p:cond delay="0"/>
-                                          </p:stCondLst>
-                                        </p:cTn>
-                                        <p:tgtEl>
-                                          <p:spTgt spid="5">
-                                            <p:txEl>
-                                              <p:pRg st="0" end="0"/>
-                                            </p:txEl>
-                                          </p:spTgt>
-                                        </p:tgtEl>
-                                        <p:attrNameLst>
-                                          <p:attrName>style.visibility</p:attrName>
-                                        </p:attrNameLst>
-                                      </p:cBhvr>
-                                      <p:to>
-                                        <p:strVal val="visible"/>
-                                      </p:to>
-                                    </p:set>
-                                  </p:childTnLst>
-                                </p:cTn>
-                              </p:par>
-                            </p:childTnLst>
-                          </p:cTn>
-                        </p:par>
-                      </p:childTnLst>
-                    </p:cTn>
-                  </p:par>
-                  <p:par>
-                    <p:cTn id="7" fill="hold">
-                      <p:stCondLst>
-                        <p:cond delay="indefinite"/>
-                      </p:stCondLst>
-                      <p:childTnLst>
-                        <p:par>
-                          <p:cTn id="8" fill="hold">
-                            <p:stCondLst>
-                              <p:cond delay="0"/>
-                            </p:stCondLst>
-                            <p:childTnLst>
-                              <p:par>
-                                <p:cTn id="9" presetID="1" presetClass="entr" presetSubtype="0" fill="hold" nodeType="clickEffect">
-                                  <p:stCondLst>
-                                    <p:cond delay="0"/>
-                                  </p:stCondLst>
-                                  <p:childTnLst>
-                                    <p:set>
-                                      <p:cBhvr>
-                                        <p:cTn id="10" dur="1" fill="hold">
-                                          <p:stCondLst>
-                                            <p:cond delay="0"/>
-                                          </p:stCondLst>
-                                        </p:cTn>
-                                        <p:tgtEl>
-                                          <p:spTgt spid="5">
-                                            <p:txEl>
-                                              <p:pRg st="1" end="1"/>
-                                            </p:txEl>
-                                          </p:spTgt>
-                                        </p:tgtEl>
-                                        <p:attrNameLst>
-                                          <p:attrName>style.visibility</p:attrName>
-                                        </p:attrNameLst>
-                                      </p:cBhvr>
-                                      <p:to>
-                                        <p:strVal val="visible"/>
-                                      </p:to>
-                                    </p:set>
-                                  </p:childTnLst>
-                                </p:cTn>
-                              </p:par>
-                            </p:childTnLst>
-                          </p:cTn>
-                        </p:par>
-                      </p:childTnLst>
-                    </p:cTn>
-                  </p:par>
-                  <p:par>
-                    <p:cTn id="11" fill="hold">
-                      <p:stCondLst>
-                        <p:cond delay="indefinite"/>
-                      </p:stCondLst>
-                      <p:childTnLst>
-                        <p:par>
-                          <p:cTn id="12" fill="hold">
-                            <p:stCondLst>
-                              <p:cond delay="0"/>
-                            </p:stCondLst>
-                            <p:childTnLst>
-                              <p:par>
-                                <p:cTn id="13" presetID="1" presetClass="entr" presetSubtype="0" fill="hold" nodeType="clickEffect">
-                                  <p:stCondLst>
-                                    <p:cond delay="0"/>
-                                  </p:stCondLst>
-                                  <p:childTnLst>
-                                    <p:set>
-                                      <p:cBhvr>
-                                        <p:cTn id="14" dur="1" fill="hold">
-                                          <p:stCondLst>
-                                            <p:cond delay="0"/>
-                                          </p:stCondLst>
-                                        </p:cTn>
-                                        <p:tgtEl>
-                                          <p:spTgt spid="5">
-                                            <p:txEl>
-                                              <p:pRg st="2" end="2"/>
-                                            </p:txEl>
-                                          </p:spTgt>
-                                        </p:tgtEl>
-                                        <p:attrNameLst>
-                                          <p:attrName>style.visibility</p:attrName>
-                                        </p:attrNameLst>
-                                      </p:cBhvr>
-                                      <p:to>
-                                        <p:strVal val="visible"/>
-                                      </p:to>
-                                    </p:set>
-                                  </p:childTnLst>
-                                </p:cTn>
-                              </p:par>
-                            </p:childTnLst>
-                          </p:cTn>
-                        </p:par>
-                      </p:childTnLst>
-                    </p:cTn>
-                  </p:par>
-                  <p:par>
-                    <p:cTn id="15" fill="hold">
-                      <p:stCondLst>
-                        <p:cond delay="indefinite"/>
-                      </p:stCondLst>
-                      <p:childTnLst>
-                        <p:par>
-                          <p:cTn id="16" fill="hold">
-                            <p:stCondLst>
-                              <p:cond delay="0"/>
-                            </p:stCondLst>
-                            <p:childTnLst>
-                              <p:par>
-                                <p:cTn id="17" presetID="1" presetClass="entr" presetSubtype="0" fill="hold" nodeType="clickEffect">
-                                  <p:stCondLst>
-                                    <p:cond delay="0"/>
-                                  </p:stCondLst>
-                                  <p:childTnLst>
-                                    <p:set>
-                                      <p:cBhvr>
-                                        <p:cTn id="18" dur="1" fill="hold">
-                                          <p:stCondLst>
-                                            <p:cond delay="0"/>
-                                          </p:stCondLst>
-                                        </p:cTn>
-                                        <p:tgtEl>
-                                          <p:spTgt spid="5">
-                                            <p:txEl>
-                                              <p:pRg st="3" end="3"/>
-                                            </p:txEl>
-                                          </p:spTgt>
-                                        </p:tgtEl>
-                                        <p:attrNameLst>
-                                          <p:attrName>style.visibility</p:attrName>
-                                        </p:attrNameLst>
-                                      </p:cBhvr>
-                                      <p:to>
-                                        <p:strVal val="visible"/>
-                                      </p:to>
-                                    </p:set>
-                                  </p:childTnLst>
-                                </p:cTn>
-                              </p:par>
-                            </p:childTnLst>
-                          </p:cTn>
-                        </p:par>
-                      </p:childTnLst>
-                    </p:cTn>
-                  </p:par>
-                  <p:par>
-                    <p:cTn id="19" fill="hold">
-                      <p:stCondLst>
-                        <p:cond delay="indefinite"/>
-                      </p:stCondLst>
-                      <p:childTnLst>
-                        <p:par>
-                          <p:cTn id="20" fill="hold">
-                            <p:stCondLst>
-                              <p:cond delay="0"/>
-                            </p:stCondLst>
-                            <p:childTnLst>
-                              <p:par>
-                                <p:cTn id="21" presetID="1" presetClass="entr" presetSubtype="0" fill="hold" nodeType="clickEffect">
-                                  <p:stCondLst>
-                                    <p:cond delay="0"/>
-                                  </p:stCondLst>
-                                  <p:childTnLst>
-                                    <p:set>
-                                      <p:cBhvr>
-                                        <p:cTn id="22" dur="1" fill="hold">
-                                          <p:stCondLst>
-                                            <p:cond delay="0"/>
-                                          </p:stCondLst>
-                                        </p:cTn>
-                                        <p:tgtEl>
-                                          <p:spTgt spid="5">
-                                            <p:txEl>
-                                              <p:pRg st="4" end="4"/>
                                             </p:txEl>
                                           </p:spTgt>
                                         </p:tgtEl>
